--- a/Doc/Website-BDE-Toulouse-Presentation.pptx
+++ b/Doc/Website-BDE-Toulouse-Presentation.pptx
@@ -3848,7 +3848,7 @@
           <a:p>
             <a:r>
               <a:rPr lang="en-US" dirty="0"/>
-              <a:t>Server Node</a:t>
+              <a:t>Node Server</a:t>
             </a:r>
           </a:p>
           <a:p>
@@ -4117,7 +4117,7 @@
         </p:blipFill>
         <p:spPr>
           <a:xfrm>
-            <a:off x="390364" y="0"/>
+            <a:off x="390364" y="4750"/>
             <a:ext cx="8363272" cy="6653336"/>
           </a:xfrm>
         </p:spPr>

--- a/Doc/Website-BDE-Toulouse-Presentation.pptx
+++ b/Doc/Website-BDE-Toulouse-Presentation.pptx
@@ -11,7 +11,12 @@
     <p:sldId id="259" r:id="rId6"/>
     <p:sldId id="260" r:id="rId7"/>
     <p:sldId id="261" r:id="rId8"/>
-    <p:sldId id="262" r:id="rId9"/>
+    <p:sldId id="266" r:id="rId9"/>
+    <p:sldId id="265" r:id="rId10"/>
+    <p:sldId id="267" r:id="rId11"/>
+    <p:sldId id="264" r:id="rId12"/>
+    <p:sldId id="263" r:id="rId13"/>
+    <p:sldId id="262" r:id="rId14"/>
   </p:sldIdLst>
   <p:sldSz cx="9144000" cy="6858000" type="screen4x3"/>
   <p:notesSz cx="6858000" cy="9144000"/>
@@ -517,7 +522,7 @@
             <a:fld id="{73302334-7E8B-4320-A1E2-4B05AC15A670}" type="datetimeFigureOut">
               <a:rPr lang="fr-FR" smtClean="0"/>
               <a:pPr/>
-              <a:t>29/01/2019</a:t>
+              <a:t>30/01/2019</a:t>
             </a:fld>
             <a:endParaRPr lang="fr-FR"/>
           </a:p>
@@ -699,7 +704,7 @@
             <a:fld id="{73302334-7E8B-4320-A1E2-4B05AC15A670}" type="datetimeFigureOut">
               <a:rPr lang="fr-FR" smtClean="0"/>
               <a:pPr/>
-              <a:t>29/01/2019</a:t>
+              <a:t>30/01/2019</a:t>
             </a:fld>
             <a:endParaRPr lang="fr-FR"/>
           </a:p>
@@ -885,7 +890,7 @@
             <a:fld id="{73302334-7E8B-4320-A1E2-4B05AC15A670}" type="datetimeFigureOut">
               <a:rPr lang="fr-FR" smtClean="0"/>
               <a:pPr/>
-              <a:t>29/01/2019</a:t>
+              <a:t>30/01/2019</a:t>
             </a:fld>
             <a:endParaRPr lang="fr-FR"/>
           </a:p>
@@ -1057,7 +1062,7 @@
             <a:fld id="{73302334-7E8B-4320-A1E2-4B05AC15A670}" type="datetimeFigureOut">
               <a:rPr lang="fr-FR" smtClean="0"/>
               <a:pPr/>
-              <a:t>29/01/2019</a:t>
+              <a:t>30/01/2019</a:t>
             </a:fld>
             <a:endParaRPr lang="fr-FR"/>
           </a:p>
@@ -1307,7 +1312,7 @@
             <a:fld id="{73302334-7E8B-4320-A1E2-4B05AC15A670}" type="datetimeFigureOut">
               <a:rPr lang="fr-FR" smtClean="0"/>
               <a:pPr/>
-              <a:t>29/01/2019</a:t>
+              <a:t>30/01/2019</a:t>
             </a:fld>
             <a:endParaRPr lang="fr-FR"/>
           </a:p>
@@ -1546,7 +1551,7 @@
             <a:fld id="{73302334-7E8B-4320-A1E2-4B05AC15A670}" type="datetimeFigureOut">
               <a:rPr lang="fr-FR" smtClean="0"/>
               <a:pPr/>
-              <a:t>29/01/2019</a:t>
+              <a:t>30/01/2019</a:t>
             </a:fld>
             <a:endParaRPr lang="fr-FR"/>
           </a:p>
@@ -1933,7 +1938,7 @@
             <a:fld id="{73302334-7E8B-4320-A1E2-4B05AC15A670}" type="datetimeFigureOut">
               <a:rPr lang="fr-FR" smtClean="0"/>
               <a:pPr/>
-              <a:t>29/01/2019</a:t>
+              <a:t>30/01/2019</a:t>
             </a:fld>
             <a:endParaRPr lang="fr-FR"/>
           </a:p>
@@ -2053,7 +2058,7 @@
             <a:fld id="{73302334-7E8B-4320-A1E2-4B05AC15A670}" type="datetimeFigureOut">
               <a:rPr lang="fr-FR" smtClean="0"/>
               <a:pPr/>
-              <a:t>29/01/2019</a:t>
+              <a:t>30/01/2019</a:t>
             </a:fld>
             <a:endParaRPr lang="fr-FR"/>
           </a:p>
@@ -2150,7 +2155,7 @@
             <a:fld id="{73302334-7E8B-4320-A1E2-4B05AC15A670}" type="datetimeFigureOut">
               <a:rPr lang="fr-FR" smtClean="0"/>
               <a:pPr/>
-              <a:t>29/01/2019</a:t>
+              <a:t>30/01/2019</a:t>
             </a:fld>
             <a:endParaRPr lang="fr-FR"/>
           </a:p>
@@ -2405,7 +2410,7 @@
             <a:fld id="{73302334-7E8B-4320-A1E2-4B05AC15A670}" type="datetimeFigureOut">
               <a:rPr lang="fr-FR" smtClean="0"/>
               <a:pPr/>
-              <a:t>29/01/2019</a:t>
+              <a:t>30/01/2019</a:t>
             </a:fld>
             <a:endParaRPr lang="fr-FR"/>
           </a:p>
@@ -2802,7 +2807,7 @@
             <a:fld id="{73302334-7E8B-4320-A1E2-4B05AC15A670}" type="datetimeFigureOut">
               <a:rPr lang="fr-FR" smtClean="0"/>
               <a:pPr/>
-              <a:t>29/01/2019</a:t>
+              <a:t>30/01/2019</a:t>
             </a:fld>
             <a:endParaRPr lang="fr-FR"/>
           </a:p>
@@ -3101,7 +3106,7 @@
             <a:fld id="{73302334-7E8B-4320-A1E2-4B05AC15A670}" type="datetimeFigureOut">
               <a:rPr lang="fr-FR" smtClean="0"/>
               <a:pPr/>
-              <a:t>29/01/2019</a:t>
+              <a:t>30/01/2019</a:t>
             </a:fld>
             <a:endParaRPr lang="fr-FR"/>
           </a:p>
@@ -3748,7 +3753,7 @@
 </p:sld>
 </file>
 
-<file path=ppt/slides/slide2.xml><?xml version="1.0" encoding="utf-8"?>
+<file path=ppt/slides/slide10.xml><?xml version="1.0" encoding="utf-8"?>
 <p:sld xmlns:a="http://schemas.openxmlformats.org/drawingml/2006/main" xmlns:r="http://schemas.openxmlformats.org/officeDocument/2006/relationships" xmlns:p="http://schemas.openxmlformats.org/presentationml/2006/main">
   <p:cSld>
     <p:spTree>
@@ -3770,7 +3775,7 @@
           <p:cNvPr id="2" name="Titre 1">
             <a:extLst>
               <a:ext uri="{FF2B5EF4-FFF2-40B4-BE49-F238E27FC236}">
-                <a16:creationId xmlns:a16="http://schemas.microsoft.com/office/drawing/2014/main" id="{D571D212-E298-4063-9682-077BA0963B69}"/>
+                <a16:creationId xmlns:a16="http://schemas.microsoft.com/office/drawing/2014/main" id="{D53DF965-1F56-4533-B396-5D0A88512FF0}"/>
               </a:ext>
             </a:extLst>
           </p:cNvPr>
@@ -3786,89 +3791,129 @@
           <a:bodyPr/>
           <a:lstStyle/>
           <a:p>
-            <a:r>
-              <a:rPr lang="fr-FR" dirty="0"/>
-              <a:t>Synopsis </a:t>
-            </a:r>
+            <a:endParaRPr lang="en-US"/>
+          </a:p>
+        </p:txBody>
+      </p:sp>
+      <p:pic>
+        <p:nvPicPr>
+          <p:cNvPr id="9" name="Espace réservé du contenu 8">
+            <a:extLst>
+              <a:ext uri="{FF2B5EF4-FFF2-40B4-BE49-F238E27FC236}">
+                <a16:creationId xmlns:a16="http://schemas.microsoft.com/office/drawing/2014/main" id="{3A9FE87A-3268-4B68-A7AB-3D01B97D8695}"/>
+              </a:ext>
+            </a:extLst>
+          </p:cNvPr>
+          <p:cNvPicPr>
+            <a:picLocks noGrp="1" noChangeAspect="1"/>
+          </p:cNvPicPr>
+          <p:nvPr>
+            <p:ph idx="1"/>
+          </p:nvPr>
+        </p:nvPicPr>
+        <p:blipFill>
+          <a:blip r:embed="rId2">
+            <a:extLst>
+              <a:ext uri="{28A0092B-C50C-407E-A947-70E740481C1C}">
+                <a14:useLocalDpi xmlns:a14="http://schemas.microsoft.com/office/drawing/2010/main" val="0"/>
+              </a:ext>
+            </a:extLst>
+          </a:blip>
+          <a:stretch>
+            <a:fillRect/>
+          </a:stretch>
+        </p:blipFill>
+        <p:spPr>
+          <a:xfrm>
+            <a:off x="457200" y="34313"/>
+            <a:ext cx="8363272" cy="6653336"/>
+          </a:xfrm>
+        </p:spPr>
+      </p:pic>
+      <p:sp>
+        <p:nvSpPr>
+          <p:cNvPr id="12" name="ZoneTexte 11">
+            <a:extLst>
+              <a:ext uri="{FF2B5EF4-FFF2-40B4-BE49-F238E27FC236}">
+                <a16:creationId xmlns:a16="http://schemas.microsoft.com/office/drawing/2014/main" id="{CBDB4E1B-62E7-4E32-8FA9-429AF8276C3D}"/>
+              </a:ext>
+            </a:extLst>
+          </p:cNvPr>
+          <p:cNvSpPr txBox="1"/>
+          <p:nvPr/>
+        </p:nvSpPr>
+        <p:spPr>
+          <a:xfrm>
+            <a:off x="894420" y="5004246"/>
+            <a:ext cx="7488832" cy="1015663"/>
+          </a:xfrm>
+          <a:prstGeom prst="rect">
+            <a:avLst/>
+          </a:prstGeom>
+          <a:noFill/>
+        </p:spPr>
+        <p:txBody>
+          <a:bodyPr wrap="square" rtlCol="0">
+            <a:spAutoFit/>
+          </a:bodyPr>
+          <a:lstStyle/>
+          <a:p>
+            <a:pPr algn="ctr"/>
+            <a:r>
+              <a:rPr lang="en-US" sz="2400" dirty="0">
+                <a:solidFill>
+                  <a:schemeClr val="bg1"/>
+                </a:solidFill>
+              </a:rPr>
+              <a:t>Server Node</a:t>
+            </a:r>
+          </a:p>
+          <a:p>
+            <a:pPr algn="ctr"/>
+            <a:r>
+              <a:rPr lang="en-US" dirty="0"/>
+              <a:t> </a:t>
+            </a:r>
+          </a:p>
+          <a:p>
             <a:endParaRPr lang="en-US" dirty="0"/>
           </a:p>
         </p:txBody>
       </p:sp>
-      <p:sp>
-        <p:nvSpPr>
-          <p:cNvPr id="3" name="Espace réservé du contenu 2">
+      <p:pic>
+        <p:nvPicPr>
+          <p:cNvPr id="5" name="Image 4">
             <a:extLst>
               <a:ext uri="{FF2B5EF4-FFF2-40B4-BE49-F238E27FC236}">
-                <a16:creationId xmlns:a16="http://schemas.microsoft.com/office/drawing/2014/main" id="{4D8AD677-F2F6-4844-87C3-FC464E93DC80}"/>
+                <a16:creationId xmlns:a16="http://schemas.microsoft.com/office/drawing/2014/main" id="{85F50AD3-4CE0-4E2F-B416-A97B3525D3BD}"/>
               </a:ext>
             </a:extLst>
           </p:cNvPr>
-          <p:cNvSpPr>
-            <a:spLocks noGrp="1"/>
-          </p:cNvSpPr>
-          <p:nvPr>
-            <p:ph idx="1"/>
-          </p:nvPr>
-        </p:nvSpPr>
-        <p:spPr>
-          <a:xfrm>
-            <a:off x="1443491" y="2015733"/>
-            <a:ext cx="6251303" cy="3717523"/>
-          </a:xfrm>
-        </p:spPr>
-        <p:txBody>
-          <a:bodyPr/>
-          <a:lstStyle/>
-          <a:p>
-            <a:r>
-              <a:rPr lang="en-US" dirty="0"/>
-              <a:t>Context</a:t>
-            </a:r>
-          </a:p>
-          <a:p>
-            <a:r>
-              <a:rPr lang="en-US" dirty="0"/>
-              <a:t>Distribution of roles</a:t>
-            </a:r>
-          </a:p>
-          <a:p>
-            <a:r>
-              <a:rPr lang="en-US" dirty="0"/>
-              <a:t>Development of the </a:t>
-            </a:r>
-            <a:r>
-              <a:rPr lang="en-US" dirty="0" err="1"/>
-              <a:t>differents</a:t>
-            </a:r>
-            <a:r>
-              <a:rPr lang="en-US" dirty="0"/>
-              <a:t> pages</a:t>
-            </a:r>
-          </a:p>
-          <a:p>
-            <a:r>
-              <a:rPr lang="en-US" dirty="0"/>
-              <a:t>Node Server</a:t>
-            </a:r>
-          </a:p>
-          <a:p>
-            <a:r>
-              <a:rPr lang="en-US" dirty="0"/>
-              <a:t>Conclusion</a:t>
-            </a:r>
-          </a:p>
-          <a:p>
-            <a:r>
-              <a:rPr lang="en-US" dirty="0"/>
-              <a:t>Demonstration</a:t>
-            </a:r>
-          </a:p>
-        </p:txBody>
-      </p:sp>
+          <p:cNvPicPr>
+            <a:picLocks noChangeAspect="1"/>
+          </p:cNvPicPr>
+          <p:nvPr/>
+        </p:nvPicPr>
+        <p:blipFill>
+          <a:blip r:embed="rId3"/>
+          <a:stretch>
+            <a:fillRect/>
+          </a:stretch>
+        </p:blipFill>
+        <p:spPr>
+          <a:xfrm>
+            <a:off x="1795623" y="476672"/>
+            <a:ext cx="5686425" cy="3672408"/>
+          </a:xfrm>
+          <a:prstGeom prst="rect">
+            <a:avLst/>
+          </a:prstGeom>
+        </p:spPr>
+      </p:pic>
     </p:spTree>
     <p:extLst>
       <p:ext uri="{BB962C8B-B14F-4D97-AF65-F5344CB8AC3E}">
-        <p14:creationId xmlns:p14="http://schemas.microsoft.com/office/powerpoint/2010/main" val="1661234669"/>
+        <p14:creationId xmlns:p14="http://schemas.microsoft.com/office/powerpoint/2010/main" val="978992224"/>
       </p:ext>
     </p:extLst>
   </p:cSld>
@@ -3878,7 +3923,7 @@
 </p:sld>
 </file>
 
-<file path=ppt/slides/slide3.xml><?xml version="1.0" encoding="utf-8"?>
+<file path=ppt/slides/slide11.xml><?xml version="1.0" encoding="utf-8"?>
 <p:sld xmlns:a="http://schemas.openxmlformats.org/drawingml/2006/main" xmlns:r="http://schemas.openxmlformats.org/officeDocument/2006/relationships" xmlns:p="http://schemas.openxmlformats.org/presentationml/2006/main">
   <p:cSld>
     <p:spTree>
@@ -3955,36 +4000,6 @@
           </a:xfrm>
         </p:spPr>
       </p:pic>
-      <p:pic>
-        <p:nvPicPr>
-          <p:cNvPr id="11" name="Image 10">
-            <a:extLst>
-              <a:ext uri="{FF2B5EF4-FFF2-40B4-BE49-F238E27FC236}">
-                <a16:creationId xmlns:a16="http://schemas.microsoft.com/office/drawing/2014/main" id="{DB599F93-F363-42A9-B7B2-B42791EBA0F1}"/>
-              </a:ext>
-            </a:extLst>
-          </p:cNvPr>
-          <p:cNvPicPr>
-            <a:picLocks noChangeAspect="1"/>
-          </p:cNvPicPr>
-          <p:nvPr/>
-        </p:nvPicPr>
-        <p:blipFill>
-          <a:blip r:embed="rId3"/>
-          <a:stretch>
-            <a:fillRect/>
-          </a:stretch>
-        </p:blipFill>
-        <p:spPr>
-          <a:xfrm>
-            <a:off x="899593" y="404664"/>
-            <a:ext cx="7488832" cy="4032448"/>
-          </a:xfrm>
-          <a:prstGeom prst="rect">
-            <a:avLst/>
-          </a:prstGeom>
-        </p:spPr>
-      </p:pic>
       <p:sp>
         <p:nvSpPr>
           <p:cNvPr id="12" name="ZoneTexte 11">
@@ -3999,8 +4014,8 @@
         </p:nvSpPr>
         <p:spPr>
           <a:xfrm>
-            <a:off x="914909" y="4941168"/>
-            <a:ext cx="7488832" cy="738664"/>
+            <a:off x="1035850" y="4960503"/>
+            <a:ext cx="7205972" cy="1384995"/>
           </a:xfrm>
           <a:prstGeom prst="rect">
             <a:avLst/>
@@ -4020,135 +4035,9 @@
                   <a:schemeClr val="bg1"/>
                 </a:solidFill>
               </a:rPr>
-              <a:t>Context</a:t>
-            </a:r>
-            <a:r>
-              <a:rPr lang="en-US" sz="2400" dirty="0"/>
-              <a:t> </a:t>
-            </a:r>
-          </a:p>
-          <a:p>
-            <a:endParaRPr lang="en-US" dirty="0"/>
-          </a:p>
-        </p:txBody>
-      </p:sp>
-    </p:spTree>
-    <p:extLst>
-      <p:ext uri="{BB962C8B-B14F-4D97-AF65-F5344CB8AC3E}">
-        <p14:creationId xmlns:p14="http://schemas.microsoft.com/office/powerpoint/2010/main" val="494489812"/>
-      </p:ext>
-    </p:extLst>
-  </p:cSld>
-  <p:clrMapOvr>
-    <a:masterClrMapping/>
-  </p:clrMapOvr>
-</p:sld>
-</file>
-
-<file path=ppt/slides/slide4.xml><?xml version="1.0" encoding="utf-8"?>
-<p:sld xmlns:a="http://schemas.openxmlformats.org/drawingml/2006/main" xmlns:r="http://schemas.openxmlformats.org/officeDocument/2006/relationships" xmlns:p="http://schemas.openxmlformats.org/presentationml/2006/main">
-  <p:cSld>
-    <p:spTree>
-      <p:nvGrpSpPr>
-        <p:cNvPr id="1" name=""/>
-        <p:cNvGrpSpPr/>
-        <p:nvPr/>
-      </p:nvGrpSpPr>
-      <p:grpSpPr>
-        <a:xfrm>
-          <a:off x="0" y="0"/>
-          <a:ext cx="0" cy="0"/>
-          <a:chOff x="0" y="0"/>
-          <a:chExt cx="0" cy="0"/>
-        </a:xfrm>
-      </p:grpSpPr>
-      <p:sp>
-        <p:nvSpPr>
-          <p:cNvPr id="2" name="Titre 1">
-            <a:extLst>
-              <a:ext uri="{FF2B5EF4-FFF2-40B4-BE49-F238E27FC236}">
-                <a16:creationId xmlns:a16="http://schemas.microsoft.com/office/drawing/2014/main" id="{D53DF965-1F56-4533-B396-5D0A88512FF0}"/>
-              </a:ext>
-            </a:extLst>
-          </p:cNvPr>
-          <p:cNvSpPr>
-            <a:spLocks noGrp="1"/>
-          </p:cNvSpPr>
-          <p:nvPr>
-            <p:ph type="title"/>
-          </p:nvPr>
-        </p:nvSpPr>
-        <p:spPr/>
-        <p:txBody>
-          <a:bodyPr/>
-          <a:lstStyle/>
-          <a:p>
-            <a:endParaRPr lang="en-US"/>
-          </a:p>
-        </p:txBody>
-      </p:sp>
-      <p:pic>
-        <p:nvPicPr>
-          <p:cNvPr id="9" name="Espace réservé du contenu 8">
-            <a:extLst>
-              <a:ext uri="{FF2B5EF4-FFF2-40B4-BE49-F238E27FC236}">
-                <a16:creationId xmlns:a16="http://schemas.microsoft.com/office/drawing/2014/main" id="{3A9FE87A-3268-4B68-A7AB-3D01B97D8695}"/>
-              </a:ext>
-            </a:extLst>
-          </p:cNvPr>
-          <p:cNvPicPr>
-            <a:picLocks noGrp="1" noChangeAspect="1"/>
-          </p:cNvPicPr>
-          <p:nvPr>
-            <p:ph idx="1"/>
-          </p:nvPr>
-        </p:nvPicPr>
-        <p:blipFill>
-          <a:blip r:embed="rId2">
-            <a:extLst>
-              <a:ext uri="{28A0092B-C50C-407E-A947-70E740481C1C}">
-                <a14:useLocalDpi xmlns:a14="http://schemas.microsoft.com/office/drawing/2010/main" val="0"/>
-              </a:ext>
-            </a:extLst>
-          </a:blip>
-          <a:stretch>
-            <a:fillRect/>
-          </a:stretch>
-        </p:blipFill>
-        <p:spPr>
-          <a:xfrm>
-            <a:off x="390364" y="4750"/>
-            <a:ext cx="8363272" cy="6653336"/>
-          </a:xfrm>
-        </p:spPr>
-      </p:pic>
-      <p:sp>
-        <p:nvSpPr>
-          <p:cNvPr id="12" name="ZoneTexte 11">
-            <a:extLst>
-              <a:ext uri="{FF2B5EF4-FFF2-40B4-BE49-F238E27FC236}">
-                <a16:creationId xmlns:a16="http://schemas.microsoft.com/office/drawing/2014/main" id="{CBDB4E1B-62E7-4E32-8FA9-429AF8276C3D}"/>
-              </a:ext>
-            </a:extLst>
-          </p:cNvPr>
-          <p:cNvSpPr txBox="1"/>
-          <p:nvPr/>
-        </p:nvSpPr>
-        <p:spPr>
-          <a:xfrm>
-            <a:off x="894420" y="4905613"/>
-            <a:ext cx="7349988" cy="1477328"/>
-          </a:xfrm>
-          <a:prstGeom prst="rect">
-            <a:avLst/>
-          </a:prstGeom>
-          <a:noFill/>
-        </p:spPr>
-        <p:txBody>
-          <a:bodyPr wrap="square" rtlCol="0">
-            <a:spAutoFit/>
-          </a:bodyPr>
-          <a:lstStyle/>
+              <a:t>Judicial </a:t>
+            </a:r>
+          </a:p>
           <a:p>
             <a:pPr algn="ctr"/>
             <a:r>
@@ -4157,32 +4046,13 @@
                   <a:schemeClr val="bg1"/>
                 </a:solidFill>
               </a:rPr>
-              <a:t>Distribution </a:t>
+              <a:t>Aspects</a:t>
             </a:r>
           </a:p>
           <a:p>
             <a:pPr algn="ctr"/>
             <a:r>
-              <a:rPr lang="en-US" sz="2400" dirty="0">
-                <a:solidFill>
-                  <a:schemeClr val="bg1"/>
-                </a:solidFill>
-              </a:rPr>
-              <a:t>of </a:t>
-            </a:r>
-          </a:p>
-          <a:p>
-            <a:pPr algn="ctr"/>
-            <a:r>
-              <a:rPr lang="en-US" sz="2400" dirty="0">
-                <a:solidFill>
-                  <a:schemeClr val="bg1"/>
-                </a:solidFill>
-              </a:rPr>
-              <a:t>roles </a:t>
-            </a:r>
-            <a:r>
-              <a:rPr lang="en-US" sz="2400" dirty="0"/>
+              <a:rPr lang="en-US" dirty="0"/>
               <a:t> </a:t>
             </a:r>
           </a:p>
@@ -4196,7 +4066,7 @@
           <p:cNvPr id="3" name="Rectangle 2">
             <a:extLst>
               <a:ext uri="{FF2B5EF4-FFF2-40B4-BE49-F238E27FC236}">
-                <a16:creationId xmlns:a16="http://schemas.microsoft.com/office/drawing/2014/main" id="{177EBEC2-C87E-4D97-9DD7-02ABD89969CE}"/>
+                <a16:creationId xmlns:a16="http://schemas.microsoft.com/office/drawing/2014/main" id="{94AECD14-8F28-40AE-84B0-9F8FBA3015E5}"/>
               </a:ext>
             </a:extLst>
           </p:cNvPr>
@@ -4205,29 +4075,24 @@
         </p:nvSpPr>
         <p:spPr>
           <a:xfrm>
-            <a:off x="3594508" y="429037"/>
-            <a:ext cx="2201628" cy="1703819"/>
+            <a:off x="1793286" y="1372728"/>
+            <a:ext cx="2304256" cy="1944216"/>
           </a:xfrm>
           <a:prstGeom prst="rect">
             <a:avLst/>
           </a:prstGeom>
-          <a:solidFill>
-            <a:schemeClr val="accent6">
-              <a:lumMod val="75000"/>
-            </a:schemeClr>
-          </a:solidFill>
         </p:spPr>
         <p:style>
           <a:lnRef idx="2">
-            <a:schemeClr val="accent3">
+            <a:schemeClr val="accent1">
               <a:shade val="50000"/>
             </a:schemeClr>
           </a:lnRef>
           <a:fillRef idx="1">
-            <a:schemeClr val="accent3"/>
+            <a:schemeClr val="accent1"/>
           </a:fillRef>
           <a:effectRef idx="0">
-            <a:schemeClr val="accent3"/>
+            <a:schemeClr val="accent1"/>
           </a:effectRef>
           <a:fontRef idx="minor">
             <a:schemeClr val="lt1"/>
@@ -4238,104 +4103,20 @@
           <a:lstStyle/>
           <a:p>
             <a:pPr algn="ctr"/>
-            <a:endParaRPr lang="fr-FR" sz="1100" b="1" u="sng" dirty="0"/>
-          </a:p>
-          <a:p>
-            <a:pPr algn="ctr"/>
-            <a:r>
-              <a:rPr lang="fr-FR" sz="1100" b="1" u="sng" dirty="0"/>
-              <a:t>Witz Romain </a:t>
-            </a:r>
-          </a:p>
-          <a:p>
-            <a:pPr algn="ctr"/>
-            <a:r>
-              <a:rPr lang="fr-FR" sz="1100" b="1" u="sng" dirty="0"/>
-              <a:t>( Project Manager &amp; </a:t>
-            </a:r>
-            <a:br>
-              <a:rPr lang="en-US" sz="1100" b="1" dirty="0"/>
-            </a:br>
-            <a:r>
-              <a:rPr lang="en-US" sz="1100" b="1" dirty="0"/>
-              <a:t>system administrator )</a:t>
-            </a:r>
-          </a:p>
-          <a:p>
-            <a:pPr algn="ctr"/>
-            <a:r>
-              <a:rPr lang="en-US" sz="1100" u="sng" dirty="0"/>
-              <a:t>Task</a:t>
-            </a:r>
-            <a:r>
-              <a:rPr lang="en-US" sz="1100" dirty="0"/>
-              <a:t> :</a:t>
-            </a:r>
-          </a:p>
-          <a:p>
-            <a:pPr algn="just"/>
-            <a:r>
-              <a:rPr lang="en-US" sz="1100" dirty="0">
-                <a:sym typeface="Wingdings" panose="05000000000000000000" pitchFamily="2" charset="2"/>
-              </a:rPr>
-              <a:t> Website architecture</a:t>
-            </a:r>
-          </a:p>
-          <a:p>
-            <a:pPr marL="171450" indent="-171450" algn="just">
-              <a:buFont typeface="Wingdings" panose="05000000000000000000" pitchFamily="2" charset="2"/>
-              <a:buChar char="à"/>
-            </a:pPr>
-            <a:r>
-              <a:rPr lang="en-US" sz="1100" dirty="0">
-                <a:sym typeface="Wingdings" panose="05000000000000000000" pitchFamily="2" charset="2"/>
-              </a:rPr>
-              <a:t>NodeJS Server</a:t>
-            </a:r>
-          </a:p>
-          <a:p>
-            <a:pPr marL="171450" indent="-171450" algn="just">
-              <a:buFont typeface="Wingdings" panose="05000000000000000000" pitchFamily="2" charset="2"/>
-              <a:buChar char="à"/>
-            </a:pPr>
-            <a:r>
-              <a:rPr lang="en-US" sz="1100" dirty="0">
-                <a:sym typeface="Wingdings" panose="05000000000000000000" pitchFamily="2" charset="2"/>
-              </a:rPr>
-              <a:t>Database</a:t>
-            </a:r>
-          </a:p>
-          <a:p>
-            <a:pPr marL="171450" indent="-171450" algn="just">
-              <a:buFont typeface="Wingdings" panose="05000000000000000000" pitchFamily="2" charset="2"/>
-              <a:buChar char="à"/>
-            </a:pPr>
-            <a:r>
-              <a:rPr lang="en-US" sz="1100" dirty="0">
-                <a:sym typeface="Wingdings" panose="05000000000000000000" pitchFamily="2" charset="2"/>
-              </a:rPr>
-              <a:t>Project Report</a:t>
-            </a:r>
-          </a:p>
-          <a:p>
-            <a:pPr marL="171450" indent="-171450" algn="just">
-              <a:buFont typeface="Wingdings" panose="05000000000000000000" pitchFamily="2" charset="2"/>
-              <a:buChar char="à"/>
-            </a:pPr>
-            <a:endParaRPr lang="fr-FR" sz="1100" dirty="0"/>
-          </a:p>
-          <a:p>
-            <a:pPr algn="ctr"/>
+            <a:r>
+              <a:rPr lang="fr-FR" dirty="0"/>
+              <a:t>Legal notices</a:t>
+            </a:r>
             <a:endParaRPr lang="en-US" dirty="0"/>
           </a:p>
         </p:txBody>
       </p:sp>
       <p:sp>
         <p:nvSpPr>
-          <p:cNvPr id="13" name="Rectangle 12">
+          <p:cNvPr id="7" name="Rectangle 6">
             <a:extLst>
               <a:ext uri="{FF2B5EF4-FFF2-40B4-BE49-F238E27FC236}">
-                <a16:creationId xmlns:a16="http://schemas.microsoft.com/office/drawing/2014/main" id="{5E21189C-8736-451C-8406-8CDE0C387600}"/>
+                <a16:creationId xmlns:a16="http://schemas.microsoft.com/office/drawing/2014/main" id="{012BC281-3FF1-4872-A29A-0AE165A69D9E}"/>
               </a:ext>
             </a:extLst>
           </p:cNvPr>
@@ -4344,29 +4125,24 @@
         </p:nvSpPr>
         <p:spPr>
           <a:xfrm>
-            <a:off x="6112610" y="2535606"/>
-            <a:ext cx="2201628" cy="1703819"/>
+            <a:off x="4716015" y="1388915"/>
+            <a:ext cx="3328573" cy="1944216"/>
           </a:xfrm>
           <a:prstGeom prst="rect">
             <a:avLst/>
           </a:prstGeom>
-          <a:solidFill>
-            <a:schemeClr val="accent6">
-              <a:lumMod val="75000"/>
-            </a:schemeClr>
-          </a:solidFill>
         </p:spPr>
         <p:style>
           <a:lnRef idx="2">
-            <a:schemeClr val="accent3">
+            <a:schemeClr val="accent1">
               <a:shade val="50000"/>
             </a:schemeClr>
           </a:lnRef>
           <a:fillRef idx="1">
-            <a:schemeClr val="accent3"/>
+            <a:schemeClr val="accent1"/>
           </a:fillRef>
           <a:effectRef idx="0">
-            <a:schemeClr val="accent3"/>
+            <a:schemeClr val="accent1"/>
           </a:effectRef>
           <a:fontRef idx="minor">
             <a:schemeClr val="lt1"/>
@@ -4376,415 +4152,50 @@
           <a:bodyPr rtlCol="0" anchor="ctr"/>
           <a:lstStyle/>
           <a:p>
-            <a:pPr algn="ctr"/>
-            <a:endParaRPr lang="fr-FR" sz="1100" b="1" u="sng" dirty="0"/>
-          </a:p>
-          <a:p>
-            <a:pPr algn="ctr"/>
-            <a:endParaRPr lang="fr-FR" sz="1100" b="1" u="sng" dirty="0"/>
-          </a:p>
-          <a:p>
-            <a:pPr algn="ctr"/>
-            <a:r>
-              <a:rPr lang="fr-FR" sz="1100" b="1" u="sng" dirty="0" err="1"/>
-              <a:t>Chambefort</a:t>
-            </a:r>
-            <a:r>
-              <a:rPr lang="fr-FR" sz="1100" b="1" u="sng" dirty="0"/>
-              <a:t> Hugo</a:t>
-            </a:r>
-          </a:p>
-          <a:p>
-            <a:pPr algn="ctr"/>
-            <a:r>
-              <a:rPr lang="fr-FR" sz="1100" b="1" u="sng" dirty="0"/>
-              <a:t>( </a:t>
-            </a:r>
-            <a:r>
-              <a:rPr lang="fr-FR" sz="1100" b="1" u="sng" dirty="0" err="1"/>
-              <a:t>Developer</a:t>
-            </a:r>
-            <a:r>
-              <a:rPr lang="fr-FR" sz="1100" b="1" u="sng" dirty="0"/>
-              <a:t> </a:t>
-            </a:r>
-            <a:r>
-              <a:rPr lang="en-US" sz="1100" b="1" dirty="0"/>
-              <a:t>)</a:t>
-            </a:r>
-          </a:p>
-          <a:p>
-            <a:pPr algn="ctr"/>
-            <a:r>
-              <a:rPr lang="en-US" sz="1100" u="sng" dirty="0"/>
-              <a:t>Task</a:t>
-            </a:r>
-            <a:r>
-              <a:rPr lang="en-US" sz="1100" dirty="0"/>
-              <a:t> :</a:t>
-            </a:r>
-          </a:p>
-          <a:p>
-            <a:pPr marL="171450" indent="-171450" algn="just">
-              <a:buFont typeface="Wingdings" panose="05000000000000000000" pitchFamily="2" charset="2"/>
-              <a:buChar char="à"/>
+            <a:pPr lvl="0" defTabSz="914400" eaLnBrk="0" fontAlgn="base" hangingPunct="0">
+              <a:spcBef>
+                <a:spcPct val="0"/>
+              </a:spcBef>
+              <a:spcAft>
+                <a:spcPct val="0"/>
+              </a:spcAft>
             </a:pPr>
             <a:r>
-              <a:rPr lang="en-US" sz="1100" dirty="0">
-                <a:sym typeface="Wingdings" panose="05000000000000000000" pitchFamily="2" charset="2"/>
+              <a:rPr lang="en-US" altLang="en-US" b="1" dirty="0">
+                <a:solidFill>
+                  <a:schemeClr val="tx1"/>
+                </a:solidFill>
+                <a:latin typeface="inherit"/>
+                <a:cs typeface="Arial" panose="020B0604020202020204" pitchFamily="34" charset="0"/>
               </a:rPr>
-              <a:t>Website architecture</a:t>
-            </a:r>
-          </a:p>
-          <a:p>
-            <a:pPr marL="171450" indent="-171450" algn="just">
-              <a:buFont typeface="Wingdings" panose="05000000000000000000" pitchFamily="2" charset="2"/>
-              <a:buChar char="à"/>
-            </a:pPr>
-            <a:r>
-              <a:rPr lang="en-US" sz="1100" dirty="0">
-                <a:sym typeface="Wingdings" panose="05000000000000000000" pitchFamily="2" charset="2"/>
-              </a:rPr>
-              <a:t>Home page (HTML – PHP - JS)</a:t>
-            </a:r>
-          </a:p>
-          <a:p>
-            <a:pPr marL="171450" indent="-171450" algn="just">
-              <a:buFont typeface="Wingdings" panose="05000000000000000000" pitchFamily="2" charset="2"/>
-              <a:buChar char="à"/>
-            </a:pPr>
-            <a:r>
-              <a:rPr lang="en-US" sz="1100" dirty="0">
-                <a:sym typeface="Wingdings" panose="05000000000000000000" pitchFamily="2" charset="2"/>
-              </a:rPr>
-              <a:t>Event page ( HTML – PHP -JS)</a:t>
-            </a:r>
-          </a:p>
-          <a:p>
-            <a:pPr marL="171450" indent="-171450" algn="just">
-              <a:buFont typeface="Wingdings" panose="05000000000000000000" pitchFamily="2" charset="2"/>
-              <a:buChar char="à"/>
-            </a:pPr>
-            <a:endParaRPr lang="en-US" sz="1100" dirty="0">
-              <a:sym typeface="Wingdings" panose="05000000000000000000" pitchFamily="2" charset="2"/>
+              <a:t>personal data protection policies</a:t>
+            </a:r>
+            <a:endParaRPr lang="en-US" altLang="en-US" sz="1050" b="1" dirty="0">
+              <a:solidFill>
+                <a:schemeClr val="tx1"/>
+              </a:solidFill>
             </a:endParaRPr>
           </a:p>
-          <a:p>
-            <a:pPr marL="171450" indent="-171450" algn="ctr">
-              <a:buFont typeface="Wingdings" panose="05000000000000000000" pitchFamily="2" charset="2"/>
-              <a:buChar char="à"/>
-            </a:pPr>
-            <a:endParaRPr lang="en-US" sz="1100" dirty="0">
-              <a:sym typeface="Wingdings" panose="05000000000000000000" pitchFamily="2" charset="2"/>
-            </a:endParaRPr>
-          </a:p>
-          <a:p>
-            <a:pPr marL="171450" indent="-171450" algn="ctr">
-              <a:buFont typeface="Wingdings" panose="05000000000000000000" pitchFamily="2" charset="2"/>
-              <a:buChar char="à"/>
-            </a:pPr>
-            <a:endParaRPr lang="fr-FR" sz="1100" dirty="0"/>
-          </a:p>
-          <a:p>
-            <a:pPr algn="ctr"/>
-            <a:endParaRPr lang="en-US" dirty="0"/>
-          </a:p>
-        </p:txBody>
-      </p:sp>
-      <p:sp>
-        <p:nvSpPr>
-          <p:cNvPr id="14" name="Rectangle 13">
+        </p:txBody>
+      </p:sp>
+      <p:sp>
+        <p:nvSpPr>
+          <p:cNvPr id="4" name="Rectangle 1">
             <a:extLst>
               <a:ext uri="{FF2B5EF4-FFF2-40B4-BE49-F238E27FC236}">
-                <a16:creationId xmlns:a16="http://schemas.microsoft.com/office/drawing/2014/main" id="{866409C0-7DC7-437B-9387-55C39B9A3A81}"/>
+                <a16:creationId xmlns:a16="http://schemas.microsoft.com/office/drawing/2014/main" id="{C0F2B8E2-3CB2-459D-AE83-640CBAB0A3C6}"/>
               </a:ext>
             </a:extLst>
           </p:cNvPr>
-          <p:cNvSpPr/>
+          <p:cNvSpPr>
+            <a:spLocks noChangeArrowheads="1"/>
+          </p:cNvSpPr>
           <p:nvPr/>
         </p:nvSpPr>
-        <p:spPr>
-          <a:xfrm>
-            <a:off x="829762" y="2535605"/>
-            <a:ext cx="2201628" cy="1703819"/>
-          </a:xfrm>
-          <a:prstGeom prst="rect">
-            <a:avLst/>
-          </a:prstGeom>
-          <a:solidFill>
-            <a:schemeClr val="accent6">
-              <a:lumMod val="75000"/>
-            </a:schemeClr>
-          </a:solidFill>
-        </p:spPr>
-        <p:style>
-          <a:lnRef idx="2">
-            <a:schemeClr val="accent3">
-              <a:shade val="50000"/>
-            </a:schemeClr>
-          </a:lnRef>
-          <a:fillRef idx="1">
-            <a:schemeClr val="accent3"/>
-          </a:fillRef>
-          <a:effectRef idx="0">
-            <a:schemeClr val="accent3"/>
-          </a:effectRef>
-          <a:fontRef idx="minor">
-            <a:schemeClr val="lt1"/>
-          </a:fontRef>
-        </p:style>
-        <p:txBody>
-          <a:bodyPr rtlCol="0" anchor="ctr"/>
-          <a:lstStyle/>
-          <a:p>
-            <a:pPr algn="ctr"/>
-            <a:endParaRPr lang="fr-FR" sz="1100" b="1" u="sng" dirty="0"/>
-          </a:p>
-          <a:p>
-            <a:pPr algn="ctr"/>
-            <a:r>
-              <a:rPr lang="fr-FR" sz="1100" b="1" u="sng" dirty="0" err="1"/>
-              <a:t>Hoyo</a:t>
-            </a:r>
-            <a:r>
-              <a:rPr lang="fr-FR" sz="1100" b="1" u="sng" dirty="0"/>
-              <a:t> Tom</a:t>
-            </a:r>
-          </a:p>
-          <a:p>
-            <a:pPr algn="ctr"/>
-            <a:r>
-              <a:rPr lang="fr-FR" sz="1100" b="1" u="sng" dirty="0"/>
-              <a:t>( </a:t>
-            </a:r>
-            <a:r>
-              <a:rPr lang="fr-FR" sz="1100" b="1" u="sng" dirty="0" err="1"/>
-              <a:t>Developer</a:t>
-            </a:r>
-            <a:r>
-              <a:rPr lang="en-US" sz="1100" b="1" dirty="0"/>
-              <a:t>)</a:t>
-            </a:r>
-          </a:p>
-          <a:p>
-            <a:pPr algn="ctr"/>
-            <a:r>
-              <a:rPr lang="en-US" sz="1100" u="sng" dirty="0"/>
-              <a:t>Task</a:t>
-            </a:r>
-            <a:r>
-              <a:rPr lang="en-US" sz="1100" dirty="0"/>
-              <a:t> :</a:t>
-            </a:r>
-          </a:p>
-          <a:p>
-            <a:pPr marL="171450" indent="-171450" algn="just">
-              <a:buFont typeface="Wingdings" panose="05000000000000000000" pitchFamily="2" charset="2"/>
-              <a:buChar char="à"/>
-            </a:pPr>
-            <a:r>
-              <a:rPr lang="en-US" sz="1100" dirty="0">
-                <a:sym typeface="Wingdings" panose="05000000000000000000" pitchFamily="2" charset="2"/>
-              </a:rPr>
-              <a:t>Website architecture</a:t>
-            </a:r>
-          </a:p>
-          <a:p>
-            <a:pPr marL="171450" indent="-171450" algn="just">
-              <a:buFont typeface="Wingdings" panose="05000000000000000000" pitchFamily="2" charset="2"/>
-              <a:buChar char="à"/>
-            </a:pPr>
-            <a:r>
-              <a:rPr lang="en-US" sz="1100" dirty="0">
-                <a:sym typeface="Wingdings" panose="05000000000000000000" pitchFamily="2" charset="2"/>
-              </a:rPr>
-              <a:t>Suggestion Box page (HTML - PHP - JS)</a:t>
-            </a:r>
-          </a:p>
-          <a:p>
-            <a:pPr marL="171450" indent="-171450" algn="just">
-              <a:buFont typeface="Wingdings" panose="05000000000000000000" pitchFamily="2" charset="2"/>
-              <a:buChar char="à"/>
-            </a:pPr>
-            <a:r>
-              <a:rPr lang="en-US" sz="1100" dirty="0">
-                <a:sym typeface="Wingdings" panose="05000000000000000000" pitchFamily="2" charset="2"/>
-              </a:rPr>
-              <a:t>Event page (JS)</a:t>
-            </a:r>
-          </a:p>
-          <a:p>
-            <a:pPr marL="171450" indent="-171450" algn="just">
-              <a:buFont typeface="Wingdings" panose="05000000000000000000" pitchFamily="2" charset="2"/>
-              <a:buChar char="à"/>
-            </a:pPr>
-            <a:endParaRPr lang="fr-FR" sz="1100" dirty="0"/>
-          </a:p>
-          <a:p>
-            <a:pPr algn="ctr"/>
-            <a:endParaRPr lang="en-US" dirty="0"/>
-          </a:p>
-        </p:txBody>
-      </p:sp>
-      <p:sp>
-        <p:nvSpPr>
-          <p:cNvPr id="15" name="Rectangle 14">
-            <a:extLst>
-              <a:ext uri="{FF2B5EF4-FFF2-40B4-BE49-F238E27FC236}">
-                <a16:creationId xmlns:a16="http://schemas.microsoft.com/office/drawing/2014/main" id="{CA89E8EE-D1CA-4E73-9D27-F9592CA85131}"/>
-              </a:ext>
-            </a:extLst>
-          </p:cNvPr>
-          <p:cNvSpPr/>
-          <p:nvPr/>
-        </p:nvSpPr>
-        <p:spPr>
-          <a:xfrm>
-            <a:off x="3538022" y="2535605"/>
-            <a:ext cx="2201628" cy="1703819"/>
-          </a:xfrm>
-          <a:prstGeom prst="rect">
-            <a:avLst/>
-          </a:prstGeom>
-          <a:solidFill>
-            <a:schemeClr val="accent6">
-              <a:lumMod val="75000"/>
-            </a:schemeClr>
-          </a:solidFill>
-        </p:spPr>
-        <p:style>
-          <a:lnRef idx="2">
-            <a:schemeClr val="accent3">
-              <a:shade val="50000"/>
-            </a:schemeClr>
-          </a:lnRef>
-          <a:fillRef idx="1">
-            <a:schemeClr val="accent3"/>
-          </a:fillRef>
-          <a:effectRef idx="0">
-            <a:schemeClr val="accent3"/>
-          </a:effectRef>
-          <a:fontRef idx="minor">
-            <a:schemeClr val="lt1"/>
-          </a:fontRef>
-        </p:style>
-        <p:txBody>
-          <a:bodyPr rtlCol="0" anchor="ctr"/>
-          <a:lstStyle/>
-          <a:p>
-            <a:pPr algn="ctr"/>
-            <a:endParaRPr lang="fr-FR" sz="1100" b="1" u="sng" dirty="0"/>
-          </a:p>
-          <a:p>
-            <a:pPr algn="ctr"/>
-            <a:r>
-              <a:rPr lang="fr-FR" sz="1100" b="1" u="sng" dirty="0" err="1"/>
-              <a:t>Bougueon</a:t>
-            </a:r>
-            <a:r>
-              <a:rPr lang="fr-FR" sz="1100" b="1" u="sng" dirty="0"/>
-              <a:t> Aymeric</a:t>
-            </a:r>
-          </a:p>
-          <a:p>
-            <a:pPr algn="ctr"/>
-            <a:r>
-              <a:rPr lang="fr-FR" sz="1100" b="1" u="sng" dirty="0"/>
-              <a:t>( </a:t>
-            </a:r>
-            <a:r>
-              <a:rPr lang="en-US" sz="1100" b="1" u="sng" dirty="0"/>
-              <a:t>Developer</a:t>
-            </a:r>
-            <a:r>
-              <a:rPr lang="en-US" sz="1100" b="1" dirty="0"/>
-              <a:t>)</a:t>
-            </a:r>
-          </a:p>
-          <a:p>
-            <a:pPr algn="ctr"/>
-            <a:r>
-              <a:rPr lang="en-US" sz="1100" u="sng" dirty="0"/>
-              <a:t>Task</a:t>
-            </a:r>
-            <a:r>
-              <a:rPr lang="en-US" sz="1100" dirty="0"/>
-              <a:t> :</a:t>
-            </a:r>
-          </a:p>
-          <a:p>
-            <a:pPr marL="171450" indent="-171450" algn="just">
-              <a:buFont typeface="Wingdings" panose="05000000000000000000" pitchFamily="2" charset="2"/>
-              <a:buChar char="à"/>
-            </a:pPr>
-            <a:r>
-              <a:rPr lang="en-US" sz="1100" dirty="0">
-                <a:sym typeface="Wingdings" panose="05000000000000000000" pitchFamily="2" charset="2"/>
-              </a:rPr>
-              <a:t>Website architecture</a:t>
-            </a:r>
-          </a:p>
-          <a:p>
-            <a:pPr marL="171450" indent="-171450" algn="just">
-              <a:buFont typeface="Wingdings" panose="05000000000000000000" pitchFamily="2" charset="2"/>
-              <a:buChar char="à"/>
-            </a:pPr>
-            <a:r>
-              <a:rPr lang="en-US" sz="1100" dirty="0">
-                <a:sym typeface="Wingdings" panose="05000000000000000000" pitchFamily="2" charset="2"/>
-              </a:rPr>
-              <a:t>Market page (HTML - PHP - JS)</a:t>
-            </a:r>
-          </a:p>
-          <a:p>
-            <a:pPr marL="171450" indent="-171450" algn="just">
-              <a:buFont typeface="Wingdings" panose="05000000000000000000" pitchFamily="2" charset="2"/>
-              <a:buChar char="à"/>
-            </a:pPr>
-            <a:endParaRPr lang="en-US" sz="1100" dirty="0">
-              <a:sym typeface="Wingdings" panose="05000000000000000000" pitchFamily="2" charset="2"/>
-            </a:endParaRPr>
-          </a:p>
-          <a:p>
-            <a:pPr marL="171450" indent="-171450" algn="just">
-              <a:buFont typeface="Wingdings" panose="05000000000000000000" pitchFamily="2" charset="2"/>
-              <a:buChar char="à"/>
-            </a:pPr>
-            <a:endParaRPr lang="en-US" sz="1100" dirty="0">
-              <a:sym typeface="Wingdings" panose="05000000000000000000" pitchFamily="2" charset="2"/>
-            </a:endParaRPr>
-          </a:p>
-          <a:p>
-            <a:pPr marL="171450" indent="-171450" algn="just">
-              <a:buFont typeface="Wingdings" panose="05000000000000000000" pitchFamily="2" charset="2"/>
-              <a:buChar char="à"/>
-            </a:pPr>
-            <a:endParaRPr lang="fr-FR" sz="1100" dirty="0"/>
-          </a:p>
-          <a:p>
-            <a:pPr algn="ctr"/>
-            <a:endParaRPr lang="en-US" dirty="0"/>
-          </a:p>
-        </p:txBody>
-      </p:sp>
-      <p:sp>
-        <p:nvSpPr>
-          <p:cNvPr id="6" name="Rectangle 2">
-            <a:extLst>
-              <a:ext uri="{FF2B5EF4-FFF2-40B4-BE49-F238E27FC236}">
-                <a16:creationId xmlns:a16="http://schemas.microsoft.com/office/drawing/2014/main" id="{577E1EE9-4512-4BCA-BD2B-8F68A3D4176E}"/>
-              </a:ext>
-            </a:extLst>
-          </p:cNvPr>
-          <p:cNvSpPr>
-            <a:spLocks noChangeArrowheads="1"/>
-          </p:cNvSpPr>
-          <p:nvPr/>
-        </p:nvSpPr>
         <p:spPr bwMode="auto">
           <a:xfrm>
-            <a:off x="4007326" y="67017"/>
-            <a:ext cx="1129347" cy="323165"/>
+            <a:off x="0" y="-48399"/>
+            <a:ext cx="65" cy="553998"/>
           </a:xfrm>
           <a:prstGeom prst="rect">
             <a:avLst/>
@@ -4827,6 +4238,1282 @@
           </a:bodyPr>
           <a:lstStyle/>
           <a:p>
+            <a:pPr marL="0" marR="0" lvl="0" indent="0" algn="l" defTabSz="914400" rtl="0" eaLnBrk="0" fontAlgn="base" latinLnBrk="0" hangingPunct="0">
+              <a:lnSpc>
+                <a:spcPct val="100000"/>
+              </a:lnSpc>
+              <a:spcBef>
+                <a:spcPct val="0"/>
+              </a:spcBef>
+              <a:spcAft>
+                <a:spcPct val="0"/>
+              </a:spcAft>
+              <a:buClrTx/>
+              <a:buSzTx/>
+              <a:buFontTx/>
+              <a:buNone/>
+              <a:tabLst/>
+            </a:pPr>
+            <a:br>
+              <a:rPr kumimoji="0" lang="en-US" altLang="en-US" sz="1800" b="0" i="0" u="none" strike="noStrike" cap="none" normalizeH="0" baseline="0" dirty="0">
+                <a:ln>
+                  <a:noFill/>
+                </a:ln>
+                <a:solidFill>
+                  <a:schemeClr val="tx1"/>
+                </a:solidFill>
+                <a:effectLst/>
+                <a:latin typeface="Arial" panose="020B0604020202020204" pitchFamily="34" charset="0"/>
+              </a:rPr>
+            </a:br>
+            <a:endParaRPr kumimoji="0" lang="en-US" altLang="en-US" sz="1800" b="0" i="0" u="none" strike="noStrike" cap="none" normalizeH="0" baseline="0" dirty="0">
+              <a:ln>
+                <a:noFill/>
+              </a:ln>
+              <a:solidFill>
+                <a:schemeClr val="tx1"/>
+              </a:solidFill>
+              <a:effectLst/>
+              <a:latin typeface="Arial" panose="020B0604020202020204" pitchFamily="34" charset="0"/>
+            </a:endParaRPr>
+          </a:p>
+        </p:txBody>
+      </p:sp>
+    </p:spTree>
+    <p:extLst>
+      <p:ext uri="{BB962C8B-B14F-4D97-AF65-F5344CB8AC3E}">
+        <p14:creationId xmlns:p14="http://schemas.microsoft.com/office/powerpoint/2010/main" val="2329582048"/>
+      </p:ext>
+    </p:extLst>
+  </p:cSld>
+  <p:clrMapOvr>
+    <a:masterClrMapping/>
+  </p:clrMapOvr>
+</p:sld>
+</file>
+
+<file path=ppt/slides/slide12.xml><?xml version="1.0" encoding="utf-8"?>
+<p:sld xmlns:a="http://schemas.openxmlformats.org/drawingml/2006/main" xmlns:r="http://schemas.openxmlformats.org/officeDocument/2006/relationships" xmlns:p="http://schemas.openxmlformats.org/presentationml/2006/main">
+  <p:cSld>
+    <p:spTree>
+      <p:nvGrpSpPr>
+        <p:cNvPr id="1" name=""/>
+        <p:cNvGrpSpPr/>
+        <p:nvPr/>
+      </p:nvGrpSpPr>
+      <p:grpSpPr>
+        <a:xfrm>
+          <a:off x="0" y="0"/>
+          <a:ext cx="0" cy="0"/>
+          <a:chOff x="0" y="0"/>
+          <a:chExt cx="0" cy="0"/>
+        </a:xfrm>
+      </p:grpSpPr>
+      <p:sp>
+        <p:nvSpPr>
+          <p:cNvPr id="2" name="Titre 1">
+            <a:extLst>
+              <a:ext uri="{FF2B5EF4-FFF2-40B4-BE49-F238E27FC236}">
+                <a16:creationId xmlns:a16="http://schemas.microsoft.com/office/drawing/2014/main" id="{D53DF965-1F56-4533-B396-5D0A88512FF0}"/>
+              </a:ext>
+            </a:extLst>
+          </p:cNvPr>
+          <p:cNvSpPr>
+            <a:spLocks noGrp="1"/>
+          </p:cNvSpPr>
+          <p:nvPr>
+            <p:ph type="title"/>
+          </p:nvPr>
+        </p:nvSpPr>
+        <p:spPr/>
+        <p:txBody>
+          <a:bodyPr/>
+          <a:lstStyle/>
+          <a:p>
+            <a:endParaRPr lang="en-US"/>
+          </a:p>
+        </p:txBody>
+      </p:sp>
+      <p:pic>
+        <p:nvPicPr>
+          <p:cNvPr id="9" name="Espace réservé du contenu 8">
+            <a:extLst>
+              <a:ext uri="{FF2B5EF4-FFF2-40B4-BE49-F238E27FC236}">
+                <a16:creationId xmlns:a16="http://schemas.microsoft.com/office/drawing/2014/main" id="{3A9FE87A-3268-4B68-A7AB-3D01B97D8695}"/>
+              </a:ext>
+            </a:extLst>
+          </p:cNvPr>
+          <p:cNvPicPr>
+            <a:picLocks noGrp="1" noChangeAspect="1"/>
+          </p:cNvPicPr>
+          <p:nvPr>
+            <p:ph idx="1"/>
+          </p:nvPr>
+        </p:nvPicPr>
+        <p:blipFill>
+          <a:blip r:embed="rId2">
+            <a:extLst>
+              <a:ext uri="{28A0092B-C50C-407E-A947-70E740481C1C}">
+                <a14:useLocalDpi xmlns:a14="http://schemas.microsoft.com/office/drawing/2010/main" val="0"/>
+              </a:ext>
+            </a:extLst>
+          </a:blip>
+          <a:stretch>
+            <a:fillRect/>
+          </a:stretch>
+        </p:blipFill>
+        <p:spPr>
+          <a:xfrm>
+            <a:off x="457200" y="34313"/>
+            <a:ext cx="8363272" cy="6653336"/>
+          </a:xfrm>
+        </p:spPr>
+      </p:pic>
+      <p:sp>
+        <p:nvSpPr>
+          <p:cNvPr id="7" name="ZoneTexte 6">
+            <a:extLst>
+              <a:ext uri="{FF2B5EF4-FFF2-40B4-BE49-F238E27FC236}">
+                <a16:creationId xmlns:a16="http://schemas.microsoft.com/office/drawing/2014/main" id="{4A06F931-2D1B-41AB-843A-7A08336BCA8A}"/>
+              </a:ext>
+            </a:extLst>
+          </p:cNvPr>
+          <p:cNvSpPr txBox="1"/>
+          <p:nvPr/>
+        </p:nvSpPr>
+        <p:spPr>
+          <a:xfrm>
+            <a:off x="824726" y="1772816"/>
+            <a:ext cx="7488832" cy="984885"/>
+          </a:xfrm>
+          <a:prstGeom prst="rect">
+            <a:avLst/>
+          </a:prstGeom>
+          <a:noFill/>
+        </p:spPr>
+        <p:txBody>
+          <a:bodyPr wrap="square" rtlCol="0">
+            <a:spAutoFit/>
+          </a:bodyPr>
+          <a:lstStyle/>
+          <a:p>
+            <a:pPr algn="ctr"/>
+            <a:r>
+              <a:rPr lang="en-US" sz="4000" dirty="0">
+                <a:solidFill>
+                  <a:schemeClr val="bg1"/>
+                </a:solidFill>
+              </a:rPr>
+              <a:t>Conclusion</a:t>
+            </a:r>
+            <a:r>
+              <a:rPr lang="en-US" sz="2400" dirty="0"/>
+              <a:t> </a:t>
+            </a:r>
+          </a:p>
+          <a:p>
+            <a:endParaRPr lang="en-US" dirty="0"/>
+          </a:p>
+        </p:txBody>
+      </p:sp>
+    </p:spTree>
+    <p:extLst>
+      <p:ext uri="{BB962C8B-B14F-4D97-AF65-F5344CB8AC3E}">
+        <p14:creationId xmlns:p14="http://schemas.microsoft.com/office/powerpoint/2010/main" val="851414677"/>
+      </p:ext>
+    </p:extLst>
+  </p:cSld>
+  <p:clrMapOvr>
+    <a:masterClrMapping/>
+  </p:clrMapOvr>
+</p:sld>
+</file>
+
+<file path=ppt/slides/slide2.xml><?xml version="1.0" encoding="utf-8"?>
+<p:sld xmlns:a="http://schemas.openxmlformats.org/drawingml/2006/main" xmlns:r="http://schemas.openxmlformats.org/officeDocument/2006/relationships" xmlns:p="http://schemas.openxmlformats.org/presentationml/2006/main">
+  <p:cSld>
+    <p:spTree>
+      <p:nvGrpSpPr>
+        <p:cNvPr id="1" name=""/>
+        <p:cNvGrpSpPr/>
+        <p:nvPr/>
+      </p:nvGrpSpPr>
+      <p:grpSpPr>
+        <a:xfrm>
+          <a:off x="0" y="0"/>
+          <a:ext cx="0" cy="0"/>
+          <a:chOff x="0" y="0"/>
+          <a:chExt cx="0" cy="0"/>
+        </a:xfrm>
+      </p:grpSpPr>
+      <p:sp>
+        <p:nvSpPr>
+          <p:cNvPr id="2" name="Titre 1">
+            <a:extLst>
+              <a:ext uri="{FF2B5EF4-FFF2-40B4-BE49-F238E27FC236}">
+                <a16:creationId xmlns:a16="http://schemas.microsoft.com/office/drawing/2014/main" id="{D571D212-E298-4063-9682-077BA0963B69}"/>
+              </a:ext>
+            </a:extLst>
+          </p:cNvPr>
+          <p:cNvSpPr>
+            <a:spLocks noGrp="1"/>
+          </p:cNvSpPr>
+          <p:nvPr>
+            <p:ph type="title"/>
+          </p:nvPr>
+        </p:nvSpPr>
+        <p:spPr/>
+        <p:txBody>
+          <a:bodyPr/>
+          <a:lstStyle/>
+          <a:p>
+            <a:r>
+              <a:rPr lang="fr-FR" dirty="0"/>
+              <a:t>Synopsis </a:t>
+            </a:r>
+            <a:endParaRPr lang="en-US" dirty="0"/>
+          </a:p>
+        </p:txBody>
+      </p:sp>
+      <p:sp>
+        <p:nvSpPr>
+          <p:cNvPr id="3" name="Espace réservé du contenu 2">
+            <a:extLst>
+              <a:ext uri="{FF2B5EF4-FFF2-40B4-BE49-F238E27FC236}">
+                <a16:creationId xmlns:a16="http://schemas.microsoft.com/office/drawing/2014/main" id="{4D8AD677-F2F6-4844-87C3-FC464E93DC80}"/>
+              </a:ext>
+            </a:extLst>
+          </p:cNvPr>
+          <p:cNvSpPr>
+            <a:spLocks noGrp="1"/>
+          </p:cNvSpPr>
+          <p:nvPr>
+            <p:ph idx="1"/>
+          </p:nvPr>
+        </p:nvSpPr>
+        <p:spPr>
+          <a:xfrm>
+            <a:off x="1443491" y="2015733"/>
+            <a:ext cx="6251303" cy="3717523"/>
+          </a:xfrm>
+        </p:spPr>
+        <p:txBody>
+          <a:bodyPr/>
+          <a:lstStyle/>
+          <a:p>
+            <a:r>
+              <a:rPr lang="en-US" dirty="0"/>
+              <a:t>Context</a:t>
+            </a:r>
+          </a:p>
+          <a:p>
+            <a:r>
+              <a:rPr lang="en-US" dirty="0"/>
+              <a:t>Distribution of roles</a:t>
+            </a:r>
+          </a:p>
+          <a:p>
+            <a:r>
+              <a:rPr lang="en-US" dirty="0"/>
+              <a:t>Development of the </a:t>
+            </a:r>
+            <a:r>
+              <a:rPr lang="en-US" dirty="0" err="1"/>
+              <a:t>differents</a:t>
+            </a:r>
+            <a:r>
+              <a:rPr lang="en-US" dirty="0"/>
+              <a:t> pages</a:t>
+            </a:r>
+          </a:p>
+          <a:p>
+            <a:r>
+              <a:rPr lang="en-US" dirty="0"/>
+              <a:t>Node Server</a:t>
+            </a:r>
+          </a:p>
+          <a:p>
+            <a:r>
+              <a:rPr lang="en-US" dirty="0"/>
+              <a:t>Judicial Aspects</a:t>
+            </a:r>
+          </a:p>
+          <a:p>
+            <a:r>
+              <a:rPr lang="en-US" dirty="0"/>
+              <a:t>Conclusion</a:t>
+            </a:r>
+          </a:p>
+          <a:p>
+            <a:r>
+              <a:rPr lang="en-US" dirty="0"/>
+              <a:t>Demonstration</a:t>
+            </a:r>
+          </a:p>
+        </p:txBody>
+      </p:sp>
+    </p:spTree>
+    <p:extLst>
+      <p:ext uri="{BB962C8B-B14F-4D97-AF65-F5344CB8AC3E}">
+        <p14:creationId xmlns:p14="http://schemas.microsoft.com/office/powerpoint/2010/main" val="1661234669"/>
+      </p:ext>
+    </p:extLst>
+  </p:cSld>
+  <p:clrMapOvr>
+    <a:masterClrMapping/>
+  </p:clrMapOvr>
+</p:sld>
+</file>
+
+<file path=ppt/slides/slide3.xml><?xml version="1.0" encoding="utf-8"?>
+<p:sld xmlns:a="http://schemas.openxmlformats.org/drawingml/2006/main" xmlns:r="http://schemas.openxmlformats.org/officeDocument/2006/relationships" xmlns:p="http://schemas.openxmlformats.org/presentationml/2006/main">
+  <p:cSld>
+    <p:spTree>
+      <p:nvGrpSpPr>
+        <p:cNvPr id="1" name=""/>
+        <p:cNvGrpSpPr/>
+        <p:nvPr/>
+      </p:nvGrpSpPr>
+      <p:grpSpPr>
+        <a:xfrm>
+          <a:off x="0" y="0"/>
+          <a:ext cx="0" cy="0"/>
+          <a:chOff x="0" y="0"/>
+          <a:chExt cx="0" cy="0"/>
+        </a:xfrm>
+      </p:grpSpPr>
+      <p:sp>
+        <p:nvSpPr>
+          <p:cNvPr id="2" name="Titre 1">
+            <a:extLst>
+              <a:ext uri="{FF2B5EF4-FFF2-40B4-BE49-F238E27FC236}">
+                <a16:creationId xmlns:a16="http://schemas.microsoft.com/office/drawing/2014/main" id="{D53DF965-1F56-4533-B396-5D0A88512FF0}"/>
+              </a:ext>
+            </a:extLst>
+          </p:cNvPr>
+          <p:cNvSpPr>
+            <a:spLocks noGrp="1"/>
+          </p:cNvSpPr>
+          <p:nvPr>
+            <p:ph type="title"/>
+          </p:nvPr>
+        </p:nvSpPr>
+        <p:spPr/>
+        <p:txBody>
+          <a:bodyPr/>
+          <a:lstStyle/>
+          <a:p>
+            <a:endParaRPr lang="en-US"/>
+          </a:p>
+        </p:txBody>
+      </p:sp>
+      <p:pic>
+        <p:nvPicPr>
+          <p:cNvPr id="9" name="Espace réservé du contenu 8">
+            <a:extLst>
+              <a:ext uri="{FF2B5EF4-FFF2-40B4-BE49-F238E27FC236}">
+                <a16:creationId xmlns:a16="http://schemas.microsoft.com/office/drawing/2014/main" id="{3A9FE87A-3268-4B68-A7AB-3D01B97D8695}"/>
+              </a:ext>
+            </a:extLst>
+          </p:cNvPr>
+          <p:cNvPicPr>
+            <a:picLocks noGrp="1" noChangeAspect="1"/>
+          </p:cNvPicPr>
+          <p:nvPr>
+            <p:ph idx="1"/>
+          </p:nvPr>
+        </p:nvPicPr>
+        <p:blipFill>
+          <a:blip r:embed="rId2">
+            <a:extLst>
+              <a:ext uri="{28A0092B-C50C-407E-A947-70E740481C1C}">
+                <a14:useLocalDpi xmlns:a14="http://schemas.microsoft.com/office/drawing/2010/main" val="0"/>
+              </a:ext>
+            </a:extLst>
+          </a:blip>
+          <a:stretch>
+            <a:fillRect/>
+          </a:stretch>
+        </p:blipFill>
+        <p:spPr>
+          <a:xfrm>
+            <a:off x="457200" y="34313"/>
+            <a:ext cx="8363272" cy="6653336"/>
+          </a:xfrm>
+        </p:spPr>
+      </p:pic>
+      <p:pic>
+        <p:nvPicPr>
+          <p:cNvPr id="11" name="Image 10">
+            <a:extLst>
+              <a:ext uri="{FF2B5EF4-FFF2-40B4-BE49-F238E27FC236}">
+                <a16:creationId xmlns:a16="http://schemas.microsoft.com/office/drawing/2014/main" id="{DB599F93-F363-42A9-B7B2-B42791EBA0F1}"/>
+              </a:ext>
+            </a:extLst>
+          </p:cNvPr>
+          <p:cNvPicPr>
+            <a:picLocks noChangeAspect="1"/>
+          </p:cNvPicPr>
+          <p:nvPr/>
+        </p:nvPicPr>
+        <p:blipFill>
+          <a:blip r:embed="rId3"/>
+          <a:stretch>
+            <a:fillRect/>
+          </a:stretch>
+        </p:blipFill>
+        <p:spPr>
+          <a:xfrm>
+            <a:off x="899593" y="404664"/>
+            <a:ext cx="7488832" cy="4032448"/>
+          </a:xfrm>
+          <a:prstGeom prst="rect">
+            <a:avLst/>
+          </a:prstGeom>
+        </p:spPr>
+      </p:pic>
+      <p:sp>
+        <p:nvSpPr>
+          <p:cNvPr id="12" name="ZoneTexte 11">
+            <a:extLst>
+              <a:ext uri="{FF2B5EF4-FFF2-40B4-BE49-F238E27FC236}">
+                <a16:creationId xmlns:a16="http://schemas.microsoft.com/office/drawing/2014/main" id="{CBDB4E1B-62E7-4E32-8FA9-429AF8276C3D}"/>
+              </a:ext>
+            </a:extLst>
+          </p:cNvPr>
+          <p:cNvSpPr txBox="1"/>
+          <p:nvPr/>
+        </p:nvSpPr>
+        <p:spPr>
+          <a:xfrm>
+            <a:off x="914909" y="4941168"/>
+            <a:ext cx="7488832" cy="738664"/>
+          </a:xfrm>
+          <a:prstGeom prst="rect">
+            <a:avLst/>
+          </a:prstGeom>
+          <a:noFill/>
+        </p:spPr>
+        <p:txBody>
+          <a:bodyPr wrap="square" rtlCol="0">
+            <a:spAutoFit/>
+          </a:bodyPr>
+          <a:lstStyle/>
+          <a:p>
+            <a:pPr algn="ctr"/>
+            <a:r>
+              <a:rPr lang="en-US" sz="2400" dirty="0">
+                <a:solidFill>
+                  <a:schemeClr val="bg1"/>
+                </a:solidFill>
+              </a:rPr>
+              <a:t>Context</a:t>
+            </a:r>
+            <a:r>
+              <a:rPr lang="en-US" sz="2400" dirty="0"/>
+              <a:t> </a:t>
+            </a:r>
+          </a:p>
+          <a:p>
+            <a:endParaRPr lang="en-US" dirty="0"/>
+          </a:p>
+        </p:txBody>
+      </p:sp>
+    </p:spTree>
+    <p:extLst>
+      <p:ext uri="{BB962C8B-B14F-4D97-AF65-F5344CB8AC3E}">
+        <p14:creationId xmlns:p14="http://schemas.microsoft.com/office/powerpoint/2010/main" val="494489812"/>
+      </p:ext>
+    </p:extLst>
+  </p:cSld>
+  <p:clrMapOvr>
+    <a:masterClrMapping/>
+  </p:clrMapOvr>
+</p:sld>
+</file>
+
+<file path=ppt/slides/slide4.xml><?xml version="1.0" encoding="utf-8"?>
+<p:sld xmlns:a="http://schemas.openxmlformats.org/drawingml/2006/main" xmlns:r="http://schemas.openxmlformats.org/officeDocument/2006/relationships" xmlns:p="http://schemas.openxmlformats.org/presentationml/2006/main">
+  <p:cSld>
+    <p:spTree>
+      <p:nvGrpSpPr>
+        <p:cNvPr id="1" name=""/>
+        <p:cNvGrpSpPr/>
+        <p:nvPr/>
+      </p:nvGrpSpPr>
+      <p:grpSpPr>
+        <a:xfrm>
+          <a:off x="0" y="0"/>
+          <a:ext cx="0" cy="0"/>
+          <a:chOff x="0" y="0"/>
+          <a:chExt cx="0" cy="0"/>
+        </a:xfrm>
+      </p:grpSpPr>
+      <p:sp>
+        <p:nvSpPr>
+          <p:cNvPr id="2" name="Titre 1">
+            <a:extLst>
+              <a:ext uri="{FF2B5EF4-FFF2-40B4-BE49-F238E27FC236}">
+                <a16:creationId xmlns:a16="http://schemas.microsoft.com/office/drawing/2014/main" id="{D53DF965-1F56-4533-B396-5D0A88512FF0}"/>
+              </a:ext>
+            </a:extLst>
+          </p:cNvPr>
+          <p:cNvSpPr>
+            <a:spLocks noGrp="1"/>
+          </p:cNvSpPr>
+          <p:nvPr>
+            <p:ph type="title"/>
+          </p:nvPr>
+        </p:nvSpPr>
+        <p:spPr/>
+        <p:txBody>
+          <a:bodyPr/>
+          <a:lstStyle/>
+          <a:p>
+            <a:endParaRPr lang="en-US"/>
+          </a:p>
+        </p:txBody>
+      </p:sp>
+      <p:pic>
+        <p:nvPicPr>
+          <p:cNvPr id="9" name="Espace réservé du contenu 8">
+            <a:extLst>
+              <a:ext uri="{FF2B5EF4-FFF2-40B4-BE49-F238E27FC236}">
+                <a16:creationId xmlns:a16="http://schemas.microsoft.com/office/drawing/2014/main" id="{3A9FE87A-3268-4B68-A7AB-3D01B97D8695}"/>
+              </a:ext>
+            </a:extLst>
+          </p:cNvPr>
+          <p:cNvPicPr>
+            <a:picLocks noGrp="1" noChangeAspect="1"/>
+          </p:cNvPicPr>
+          <p:nvPr>
+            <p:ph idx="1"/>
+          </p:nvPr>
+        </p:nvPicPr>
+        <p:blipFill>
+          <a:blip r:embed="rId2">
+            <a:extLst>
+              <a:ext uri="{28A0092B-C50C-407E-A947-70E740481C1C}">
+                <a14:useLocalDpi xmlns:a14="http://schemas.microsoft.com/office/drawing/2010/main" val="0"/>
+              </a:ext>
+            </a:extLst>
+          </a:blip>
+          <a:stretch>
+            <a:fillRect/>
+          </a:stretch>
+        </p:blipFill>
+        <p:spPr>
+          <a:xfrm>
+            <a:off x="390364" y="4750"/>
+            <a:ext cx="8363272" cy="6653336"/>
+          </a:xfrm>
+        </p:spPr>
+      </p:pic>
+      <p:sp>
+        <p:nvSpPr>
+          <p:cNvPr id="12" name="ZoneTexte 11">
+            <a:extLst>
+              <a:ext uri="{FF2B5EF4-FFF2-40B4-BE49-F238E27FC236}">
+                <a16:creationId xmlns:a16="http://schemas.microsoft.com/office/drawing/2014/main" id="{CBDB4E1B-62E7-4E32-8FA9-429AF8276C3D}"/>
+              </a:ext>
+            </a:extLst>
+          </p:cNvPr>
+          <p:cNvSpPr txBox="1"/>
+          <p:nvPr/>
+        </p:nvSpPr>
+        <p:spPr>
+          <a:xfrm>
+            <a:off x="894420" y="4905613"/>
+            <a:ext cx="7349988" cy="1477328"/>
+          </a:xfrm>
+          <a:prstGeom prst="rect">
+            <a:avLst/>
+          </a:prstGeom>
+          <a:noFill/>
+        </p:spPr>
+        <p:txBody>
+          <a:bodyPr wrap="square" rtlCol="0">
+            <a:spAutoFit/>
+          </a:bodyPr>
+          <a:lstStyle/>
+          <a:p>
+            <a:pPr algn="ctr"/>
+            <a:r>
+              <a:rPr lang="en-US" sz="2400" dirty="0">
+                <a:solidFill>
+                  <a:schemeClr val="bg1"/>
+                </a:solidFill>
+              </a:rPr>
+              <a:t>Distribution </a:t>
+            </a:r>
+          </a:p>
+          <a:p>
+            <a:pPr algn="ctr"/>
+            <a:r>
+              <a:rPr lang="en-US" sz="2400" dirty="0">
+                <a:solidFill>
+                  <a:schemeClr val="bg1"/>
+                </a:solidFill>
+              </a:rPr>
+              <a:t>of </a:t>
+            </a:r>
+          </a:p>
+          <a:p>
+            <a:pPr algn="ctr"/>
+            <a:r>
+              <a:rPr lang="en-US" sz="2400" dirty="0">
+                <a:solidFill>
+                  <a:schemeClr val="bg1"/>
+                </a:solidFill>
+              </a:rPr>
+              <a:t>roles </a:t>
+            </a:r>
+            <a:r>
+              <a:rPr lang="en-US" sz="2400" dirty="0"/>
+              <a:t> </a:t>
+            </a:r>
+          </a:p>
+          <a:p>
+            <a:endParaRPr lang="en-US" dirty="0"/>
+          </a:p>
+        </p:txBody>
+      </p:sp>
+      <p:sp>
+        <p:nvSpPr>
+          <p:cNvPr id="3" name="Rectangle 2">
+            <a:extLst>
+              <a:ext uri="{FF2B5EF4-FFF2-40B4-BE49-F238E27FC236}">
+                <a16:creationId xmlns:a16="http://schemas.microsoft.com/office/drawing/2014/main" id="{177EBEC2-C87E-4D97-9DD7-02ABD89969CE}"/>
+              </a:ext>
+            </a:extLst>
+          </p:cNvPr>
+          <p:cNvSpPr/>
+          <p:nvPr/>
+        </p:nvSpPr>
+        <p:spPr>
+          <a:xfrm>
+            <a:off x="3594508" y="429037"/>
+            <a:ext cx="2201628" cy="1703819"/>
+          </a:xfrm>
+          <a:prstGeom prst="rect">
+            <a:avLst/>
+          </a:prstGeom>
+          <a:solidFill>
+            <a:schemeClr val="accent6">
+              <a:lumMod val="75000"/>
+            </a:schemeClr>
+          </a:solidFill>
+        </p:spPr>
+        <p:style>
+          <a:lnRef idx="2">
+            <a:schemeClr val="accent3">
+              <a:shade val="50000"/>
+            </a:schemeClr>
+          </a:lnRef>
+          <a:fillRef idx="1">
+            <a:schemeClr val="accent3"/>
+          </a:fillRef>
+          <a:effectRef idx="0">
+            <a:schemeClr val="accent3"/>
+          </a:effectRef>
+          <a:fontRef idx="minor">
+            <a:schemeClr val="lt1"/>
+          </a:fontRef>
+        </p:style>
+        <p:txBody>
+          <a:bodyPr rtlCol="0" anchor="ctr"/>
+          <a:lstStyle/>
+          <a:p>
+            <a:pPr algn="ctr"/>
+            <a:endParaRPr lang="fr-FR" sz="1100" b="1" u="sng" dirty="0"/>
+          </a:p>
+          <a:p>
+            <a:pPr algn="ctr"/>
+            <a:r>
+              <a:rPr lang="fr-FR" sz="1100" b="1" u="sng" dirty="0"/>
+              <a:t>Witz Romain </a:t>
+            </a:r>
+          </a:p>
+          <a:p>
+            <a:pPr algn="ctr"/>
+            <a:r>
+              <a:rPr lang="fr-FR" sz="1100" b="1" u="sng" dirty="0"/>
+              <a:t>( Project Manager &amp; </a:t>
+            </a:r>
+            <a:br>
+              <a:rPr lang="en-US" sz="1100" b="1" dirty="0"/>
+            </a:br>
+            <a:r>
+              <a:rPr lang="en-US" sz="1100" b="1" dirty="0"/>
+              <a:t>system administrator )</a:t>
+            </a:r>
+          </a:p>
+          <a:p>
+            <a:pPr algn="ctr"/>
+            <a:r>
+              <a:rPr lang="en-US" sz="1100" u="sng" dirty="0"/>
+              <a:t>Task</a:t>
+            </a:r>
+            <a:r>
+              <a:rPr lang="en-US" sz="1100" dirty="0"/>
+              <a:t> :</a:t>
+            </a:r>
+          </a:p>
+          <a:p>
+            <a:pPr algn="just"/>
+            <a:r>
+              <a:rPr lang="en-US" sz="1100" dirty="0">
+                <a:sym typeface="Wingdings" panose="05000000000000000000" pitchFamily="2" charset="2"/>
+              </a:rPr>
+              <a:t> Website architecture</a:t>
+            </a:r>
+          </a:p>
+          <a:p>
+            <a:pPr marL="171450" indent="-171450" algn="just">
+              <a:buFont typeface="Wingdings" panose="05000000000000000000" pitchFamily="2" charset="2"/>
+              <a:buChar char="à"/>
+            </a:pPr>
+            <a:r>
+              <a:rPr lang="en-US" sz="1100" dirty="0">
+                <a:sym typeface="Wingdings" panose="05000000000000000000" pitchFamily="2" charset="2"/>
+              </a:rPr>
+              <a:t>NodeJS Server</a:t>
+            </a:r>
+          </a:p>
+          <a:p>
+            <a:pPr marL="171450" indent="-171450" algn="just">
+              <a:buFont typeface="Wingdings" panose="05000000000000000000" pitchFamily="2" charset="2"/>
+              <a:buChar char="à"/>
+            </a:pPr>
+            <a:r>
+              <a:rPr lang="en-US" sz="1100" dirty="0">
+                <a:sym typeface="Wingdings" panose="05000000000000000000" pitchFamily="2" charset="2"/>
+              </a:rPr>
+              <a:t>Database</a:t>
+            </a:r>
+          </a:p>
+          <a:p>
+            <a:pPr marL="171450" indent="-171450" algn="just">
+              <a:buFont typeface="Wingdings" panose="05000000000000000000" pitchFamily="2" charset="2"/>
+              <a:buChar char="à"/>
+            </a:pPr>
+            <a:r>
+              <a:rPr lang="en-US" sz="1100" dirty="0">
+                <a:sym typeface="Wingdings" panose="05000000000000000000" pitchFamily="2" charset="2"/>
+              </a:rPr>
+              <a:t>Project Report</a:t>
+            </a:r>
+          </a:p>
+          <a:p>
+            <a:pPr marL="171450" indent="-171450" algn="just">
+              <a:buFont typeface="Wingdings" panose="05000000000000000000" pitchFamily="2" charset="2"/>
+              <a:buChar char="à"/>
+            </a:pPr>
+            <a:endParaRPr lang="fr-FR" sz="1100" dirty="0"/>
+          </a:p>
+          <a:p>
+            <a:pPr algn="ctr"/>
+            <a:endParaRPr lang="en-US" dirty="0"/>
+          </a:p>
+        </p:txBody>
+      </p:sp>
+      <p:sp>
+        <p:nvSpPr>
+          <p:cNvPr id="13" name="Rectangle 12">
+            <a:extLst>
+              <a:ext uri="{FF2B5EF4-FFF2-40B4-BE49-F238E27FC236}">
+                <a16:creationId xmlns:a16="http://schemas.microsoft.com/office/drawing/2014/main" id="{5E21189C-8736-451C-8406-8CDE0C387600}"/>
+              </a:ext>
+            </a:extLst>
+          </p:cNvPr>
+          <p:cNvSpPr/>
+          <p:nvPr/>
+        </p:nvSpPr>
+        <p:spPr>
+          <a:xfrm>
+            <a:off x="6112610" y="2535606"/>
+            <a:ext cx="2201628" cy="1703819"/>
+          </a:xfrm>
+          <a:prstGeom prst="rect">
+            <a:avLst/>
+          </a:prstGeom>
+          <a:solidFill>
+            <a:schemeClr val="accent6">
+              <a:lumMod val="75000"/>
+            </a:schemeClr>
+          </a:solidFill>
+        </p:spPr>
+        <p:style>
+          <a:lnRef idx="2">
+            <a:schemeClr val="accent3">
+              <a:shade val="50000"/>
+            </a:schemeClr>
+          </a:lnRef>
+          <a:fillRef idx="1">
+            <a:schemeClr val="accent3"/>
+          </a:fillRef>
+          <a:effectRef idx="0">
+            <a:schemeClr val="accent3"/>
+          </a:effectRef>
+          <a:fontRef idx="minor">
+            <a:schemeClr val="lt1"/>
+          </a:fontRef>
+        </p:style>
+        <p:txBody>
+          <a:bodyPr rtlCol="0" anchor="ctr"/>
+          <a:lstStyle/>
+          <a:p>
+            <a:pPr algn="ctr"/>
+            <a:endParaRPr lang="fr-FR" sz="1100" b="1" u="sng" dirty="0"/>
+          </a:p>
+          <a:p>
+            <a:pPr algn="ctr"/>
+            <a:endParaRPr lang="fr-FR" sz="1100" b="1" u="sng" dirty="0"/>
+          </a:p>
+          <a:p>
+            <a:pPr algn="ctr"/>
+            <a:r>
+              <a:rPr lang="fr-FR" sz="1100" b="1" u="sng" dirty="0" err="1"/>
+              <a:t>Chambefort</a:t>
+            </a:r>
+            <a:r>
+              <a:rPr lang="fr-FR" sz="1100" b="1" u="sng" dirty="0"/>
+              <a:t> Hugo</a:t>
+            </a:r>
+          </a:p>
+          <a:p>
+            <a:pPr algn="ctr"/>
+            <a:r>
+              <a:rPr lang="fr-FR" sz="1100" b="1" u="sng" dirty="0"/>
+              <a:t>( </a:t>
+            </a:r>
+            <a:r>
+              <a:rPr lang="fr-FR" sz="1100" b="1" u="sng" dirty="0" err="1"/>
+              <a:t>Developer</a:t>
+            </a:r>
+            <a:r>
+              <a:rPr lang="fr-FR" sz="1100" b="1" u="sng" dirty="0"/>
+              <a:t> </a:t>
+            </a:r>
+            <a:r>
+              <a:rPr lang="en-US" sz="1100" b="1" dirty="0"/>
+              <a:t>)</a:t>
+            </a:r>
+          </a:p>
+          <a:p>
+            <a:pPr algn="ctr"/>
+            <a:r>
+              <a:rPr lang="en-US" sz="1100" u="sng" dirty="0"/>
+              <a:t>Task</a:t>
+            </a:r>
+            <a:r>
+              <a:rPr lang="en-US" sz="1100" dirty="0"/>
+              <a:t> :</a:t>
+            </a:r>
+          </a:p>
+          <a:p>
+            <a:pPr marL="171450" indent="-171450" algn="just">
+              <a:buFont typeface="Wingdings" panose="05000000000000000000" pitchFamily="2" charset="2"/>
+              <a:buChar char="à"/>
+            </a:pPr>
+            <a:r>
+              <a:rPr lang="en-US" sz="1100" dirty="0">
+                <a:sym typeface="Wingdings" panose="05000000000000000000" pitchFamily="2" charset="2"/>
+              </a:rPr>
+              <a:t>Website architecture</a:t>
+            </a:r>
+          </a:p>
+          <a:p>
+            <a:pPr marL="171450" indent="-171450" algn="just">
+              <a:buFont typeface="Wingdings" panose="05000000000000000000" pitchFamily="2" charset="2"/>
+              <a:buChar char="à"/>
+            </a:pPr>
+            <a:r>
+              <a:rPr lang="en-US" sz="1100" dirty="0">
+                <a:sym typeface="Wingdings" panose="05000000000000000000" pitchFamily="2" charset="2"/>
+              </a:rPr>
+              <a:t>Home page (HTML – PHP - JS)</a:t>
+            </a:r>
+          </a:p>
+          <a:p>
+            <a:pPr marL="171450" indent="-171450" algn="just">
+              <a:buFont typeface="Wingdings" panose="05000000000000000000" pitchFamily="2" charset="2"/>
+              <a:buChar char="à"/>
+            </a:pPr>
+            <a:r>
+              <a:rPr lang="en-US" sz="1100" dirty="0">
+                <a:sym typeface="Wingdings" panose="05000000000000000000" pitchFamily="2" charset="2"/>
+              </a:rPr>
+              <a:t>Event page ( HTML – PHP -JS)</a:t>
+            </a:r>
+          </a:p>
+          <a:p>
+            <a:pPr marL="171450" indent="-171450" algn="just">
+              <a:buFont typeface="Wingdings" panose="05000000000000000000" pitchFamily="2" charset="2"/>
+              <a:buChar char="à"/>
+            </a:pPr>
+            <a:endParaRPr lang="en-US" sz="1100" dirty="0">
+              <a:sym typeface="Wingdings" panose="05000000000000000000" pitchFamily="2" charset="2"/>
+            </a:endParaRPr>
+          </a:p>
+          <a:p>
+            <a:pPr marL="171450" indent="-171450" algn="ctr">
+              <a:buFont typeface="Wingdings" panose="05000000000000000000" pitchFamily="2" charset="2"/>
+              <a:buChar char="à"/>
+            </a:pPr>
+            <a:endParaRPr lang="en-US" sz="1100" dirty="0">
+              <a:sym typeface="Wingdings" panose="05000000000000000000" pitchFamily="2" charset="2"/>
+            </a:endParaRPr>
+          </a:p>
+          <a:p>
+            <a:pPr marL="171450" indent="-171450" algn="ctr">
+              <a:buFont typeface="Wingdings" panose="05000000000000000000" pitchFamily="2" charset="2"/>
+              <a:buChar char="à"/>
+            </a:pPr>
+            <a:endParaRPr lang="fr-FR" sz="1100" dirty="0"/>
+          </a:p>
+          <a:p>
+            <a:pPr algn="ctr"/>
+            <a:endParaRPr lang="en-US" dirty="0"/>
+          </a:p>
+        </p:txBody>
+      </p:sp>
+      <p:sp>
+        <p:nvSpPr>
+          <p:cNvPr id="14" name="Rectangle 13">
+            <a:extLst>
+              <a:ext uri="{FF2B5EF4-FFF2-40B4-BE49-F238E27FC236}">
+                <a16:creationId xmlns:a16="http://schemas.microsoft.com/office/drawing/2014/main" id="{866409C0-7DC7-437B-9387-55C39B9A3A81}"/>
+              </a:ext>
+            </a:extLst>
+          </p:cNvPr>
+          <p:cNvSpPr/>
+          <p:nvPr/>
+        </p:nvSpPr>
+        <p:spPr>
+          <a:xfrm>
+            <a:off x="829762" y="2535605"/>
+            <a:ext cx="2201628" cy="1703819"/>
+          </a:xfrm>
+          <a:prstGeom prst="rect">
+            <a:avLst/>
+          </a:prstGeom>
+          <a:solidFill>
+            <a:schemeClr val="accent6">
+              <a:lumMod val="75000"/>
+            </a:schemeClr>
+          </a:solidFill>
+        </p:spPr>
+        <p:style>
+          <a:lnRef idx="2">
+            <a:schemeClr val="accent3">
+              <a:shade val="50000"/>
+            </a:schemeClr>
+          </a:lnRef>
+          <a:fillRef idx="1">
+            <a:schemeClr val="accent3"/>
+          </a:fillRef>
+          <a:effectRef idx="0">
+            <a:schemeClr val="accent3"/>
+          </a:effectRef>
+          <a:fontRef idx="minor">
+            <a:schemeClr val="lt1"/>
+          </a:fontRef>
+        </p:style>
+        <p:txBody>
+          <a:bodyPr rtlCol="0" anchor="ctr"/>
+          <a:lstStyle/>
+          <a:p>
+            <a:pPr algn="ctr"/>
+            <a:endParaRPr lang="fr-FR" sz="1100" b="1" u="sng" dirty="0"/>
+          </a:p>
+          <a:p>
+            <a:pPr algn="ctr"/>
+            <a:r>
+              <a:rPr lang="fr-FR" sz="1100" b="1" u="sng" dirty="0" err="1"/>
+              <a:t>Hoyo</a:t>
+            </a:r>
+            <a:r>
+              <a:rPr lang="fr-FR" sz="1100" b="1" u="sng" dirty="0"/>
+              <a:t> Tom</a:t>
+            </a:r>
+          </a:p>
+          <a:p>
+            <a:pPr algn="ctr"/>
+            <a:r>
+              <a:rPr lang="fr-FR" sz="1100" b="1" u="sng" dirty="0"/>
+              <a:t>( </a:t>
+            </a:r>
+            <a:r>
+              <a:rPr lang="fr-FR" sz="1100" b="1" u="sng" dirty="0" err="1"/>
+              <a:t>Developer</a:t>
+            </a:r>
+            <a:r>
+              <a:rPr lang="en-US" sz="1100" b="1" dirty="0"/>
+              <a:t>)</a:t>
+            </a:r>
+          </a:p>
+          <a:p>
+            <a:pPr algn="ctr"/>
+            <a:r>
+              <a:rPr lang="en-US" sz="1100" u="sng" dirty="0"/>
+              <a:t>Task</a:t>
+            </a:r>
+            <a:r>
+              <a:rPr lang="en-US" sz="1100" dirty="0"/>
+              <a:t> :</a:t>
+            </a:r>
+          </a:p>
+          <a:p>
+            <a:pPr marL="171450" indent="-171450" algn="just">
+              <a:buFont typeface="Wingdings" panose="05000000000000000000" pitchFamily="2" charset="2"/>
+              <a:buChar char="à"/>
+            </a:pPr>
+            <a:r>
+              <a:rPr lang="en-US" sz="1100" dirty="0">
+                <a:sym typeface="Wingdings" panose="05000000000000000000" pitchFamily="2" charset="2"/>
+              </a:rPr>
+              <a:t>Website architecture</a:t>
+            </a:r>
+          </a:p>
+          <a:p>
+            <a:pPr marL="171450" indent="-171450" algn="just">
+              <a:buFont typeface="Wingdings" panose="05000000000000000000" pitchFamily="2" charset="2"/>
+              <a:buChar char="à"/>
+            </a:pPr>
+            <a:r>
+              <a:rPr lang="en-US" sz="1100" dirty="0">
+                <a:sym typeface="Wingdings" panose="05000000000000000000" pitchFamily="2" charset="2"/>
+              </a:rPr>
+              <a:t>Suggestion Box page (HTML - PHP - JS)</a:t>
+            </a:r>
+          </a:p>
+          <a:p>
+            <a:pPr marL="171450" indent="-171450" algn="just">
+              <a:buFont typeface="Wingdings" panose="05000000000000000000" pitchFamily="2" charset="2"/>
+              <a:buChar char="à"/>
+            </a:pPr>
+            <a:r>
+              <a:rPr lang="en-US" sz="1100" dirty="0">
+                <a:sym typeface="Wingdings" panose="05000000000000000000" pitchFamily="2" charset="2"/>
+              </a:rPr>
+              <a:t>Event page (JS)</a:t>
+            </a:r>
+          </a:p>
+          <a:p>
+            <a:pPr marL="171450" indent="-171450" algn="just">
+              <a:buFont typeface="Wingdings" panose="05000000000000000000" pitchFamily="2" charset="2"/>
+              <a:buChar char="à"/>
+            </a:pPr>
+            <a:endParaRPr lang="fr-FR" sz="1100" dirty="0"/>
+          </a:p>
+          <a:p>
+            <a:pPr algn="ctr"/>
+            <a:endParaRPr lang="en-US" dirty="0"/>
+          </a:p>
+        </p:txBody>
+      </p:sp>
+      <p:sp>
+        <p:nvSpPr>
+          <p:cNvPr id="15" name="Rectangle 14">
+            <a:extLst>
+              <a:ext uri="{FF2B5EF4-FFF2-40B4-BE49-F238E27FC236}">
+                <a16:creationId xmlns:a16="http://schemas.microsoft.com/office/drawing/2014/main" id="{CA89E8EE-D1CA-4E73-9D27-F9592CA85131}"/>
+              </a:ext>
+            </a:extLst>
+          </p:cNvPr>
+          <p:cNvSpPr/>
+          <p:nvPr/>
+        </p:nvSpPr>
+        <p:spPr>
+          <a:xfrm>
+            <a:off x="3538022" y="2535605"/>
+            <a:ext cx="2201628" cy="1703819"/>
+          </a:xfrm>
+          <a:prstGeom prst="rect">
+            <a:avLst/>
+          </a:prstGeom>
+          <a:solidFill>
+            <a:schemeClr val="accent6">
+              <a:lumMod val="75000"/>
+            </a:schemeClr>
+          </a:solidFill>
+        </p:spPr>
+        <p:style>
+          <a:lnRef idx="2">
+            <a:schemeClr val="accent3">
+              <a:shade val="50000"/>
+            </a:schemeClr>
+          </a:lnRef>
+          <a:fillRef idx="1">
+            <a:schemeClr val="accent3"/>
+          </a:fillRef>
+          <a:effectRef idx="0">
+            <a:schemeClr val="accent3"/>
+          </a:effectRef>
+          <a:fontRef idx="minor">
+            <a:schemeClr val="lt1"/>
+          </a:fontRef>
+        </p:style>
+        <p:txBody>
+          <a:bodyPr rtlCol="0" anchor="ctr"/>
+          <a:lstStyle/>
+          <a:p>
+            <a:pPr algn="ctr"/>
+            <a:endParaRPr lang="fr-FR" sz="1100" b="1" u="sng" dirty="0"/>
+          </a:p>
+          <a:p>
+            <a:pPr algn="ctr"/>
+            <a:r>
+              <a:rPr lang="fr-FR" sz="1100" b="1" u="sng" dirty="0" err="1"/>
+              <a:t>Bougueon</a:t>
+            </a:r>
+            <a:r>
+              <a:rPr lang="fr-FR" sz="1100" b="1" u="sng" dirty="0"/>
+              <a:t> Aymeric</a:t>
+            </a:r>
+          </a:p>
+          <a:p>
+            <a:pPr algn="ctr"/>
+            <a:r>
+              <a:rPr lang="fr-FR" sz="1100" b="1" u="sng" dirty="0"/>
+              <a:t>( </a:t>
+            </a:r>
+            <a:r>
+              <a:rPr lang="en-US" sz="1100" b="1" u="sng" dirty="0"/>
+              <a:t>Developer</a:t>
+            </a:r>
+            <a:r>
+              <a:rPr lang="en-US" sz="1100" b="1" dirty="0"/>
+              <a:t>)</a:t>
+            </a:r>
+          </a:p>
+          <a:p>
+            <a:pPr algn="ctr"/>
+            <a:r>
+              <a:rPr lang="en-US" sz="1100" u="sng" dirty="0"/>
+              <a:t>Task</a:t>
+            </a:r>
+            <a:r>
+              <a:rPr lang="en-US" sz="1100" dirty="0"/>
+              <a:t> :</a:t>
+            </a:r>
+          </a:p>
+          <a:p>
+            <a:pPr marL="171450" indent="-171450" algn="just">
+              <a:buFont typeface="Wingdings" panose="05000000000000000000" pitchFamily="2" charset="2"/>
+              <a:buChar char="à"/>
+            </a:pPr>
+            <a:r>
+              <a:rPr lang="en-US" sz="1100" dirty="0">
+                <a:sym typeface="Wingdings" panose="05000000000000000000" pitchFamily="2" charset="2"/>
+              </a:rPr>
+              <a:t>Website architecture</a:t>
+            </a:r>
+          </a:p>
+          <a:p>
+            <a:pPr marL="171450" indent="-171450" algn="just">
+              <a:buFont typeface="Wingdings" panose="05000000000000000000" pitchFamily="2" charset="2"/>
+              <a:buChar char="à"/>
+            </a:pPr>
+            <a:r>
+              <a:rPr lang="en-US" sz="1100" dirty="0">
+                <a:sym typeface="Wingdings" panose="05000000000000000000" pitchFamily="2" charset="2"/>
+              </a:rPr>
+              <a:t>Market page (HTML - PHP - JS)</a:t>
+            </a:r>
+          </a:p>
+          <a:p>
+            <a:pPr marL="171450" indent="-171450" algn="just">
+              <a:buFont typeface="Wingdings" panose="05000000000000000000" pitchFamily="2" charset="2"/>
+              <a:buChar char="à"/>
+            </a:pPr>
+            <a:endParaRPr lang="en-US" sz="1100" dirty="0">
+              <a:sym typeface="Wingdings" panose="05000000000000000000" pitchFamily="2" charset="2"/>
+            </a:endParaRPr>
+          </a:p>
+          <a:p>
+            <a:pPr marL="171450" indent="-171450" algn="just">
+              <a:buFont typeface="Wingdings" panose="05000000000000000000" pitchFamily="2" charset="2"/>
+              <a:buChar char="à"/>
+            </a:pPr>
+            <a:endParaRPr lang="en-US" sz="1100" dirty="0">
+              <a:sym typeface="Wingdings" panose="05000000000000000000" pitchFamily="2" charset="2"/>
+            </a:endParaRPr>
+          </a:p>
+          <a:p>
+            <a:pPr marL="171450" indent="-171450" algn="just">
+              <a:buFont typeface="Wingdings" panose="05000000000000000000" pitchFamily="2" charset="2"/>
+              <a:buChar char="à"/>
+            </a:pPr>
+            <a:endParaRPr lang="fr-FR" sz="1100" dirty="0"/>
+          </a:p>
+          <a:p>
+            <a:pPr algn="ctr"/>
+            <a:endParaRPr lang="en-US" dirty="0"/>
+          </a:p>
+        </p:txBody>
+      </p:sp>
+      <p:sp>
+        <p:nvSpPr>
+          <p:cNvPr id="6" name="Rectangle 2">
+            <a:extLst>
+              <a:ext uri="{FF2B5EF4-FFF2-40B4-BE49-F238E27FC236}">
+                <a16:creationId xmlns:a16="http://schemas.microsoft.com/office/drawing/2014/main" id="{577E1EE9-4512-4BCA-BD2B-8F68A3D4176E}"/>
+              </a:ext>
+            </a:extLst>
+          </p:cNvPr>
+          <p:cNvSpPr>
+            <a:spLocks noChangeArrowheads="1"/>
+          </p:cNvSpPr>
+          <p:nvPr/>
+        </p:nvSpPr>
+        <p:spPr bwMode="auto">
+          <a:xfrm>
+            <a:off x="4559175" y="167044"/>
+            <a:ext cx="25648" cy="123111"/>
+          </a:xfrm>
+          <a:prstGeom prst="rect">
+            <a:avLst/>
+          </a:prstGeom>
+          <a:solidFill>
+            <a:srgbClr val="FFFFFF"/>
+          </a:solidFill>
+          <a:ln>
+            <a:noFill/>
+          </a:ln>
+          <a:effectLst/>
+          <a:extLst>
+            <a:ext uri="{91240B29-F687-4F45-9708-019B960494DF}">
+              <a14:hiddenLine xmlns:a14="http://schemas.microsoft.com/office/drawing/2010/main" w="9525">
+                <a:solidFill>
+                  <a:schemeClr val="tx1"/>
+                </a:solidFill>
+                <a:miter lim="800000"/>
+                <a:headEnd/>
+                <a:tailEnd/>
+              </a14:hiddenLine>
+            </a:ext>
+            <a:ext uri="{AF507438-7753-43E0-B8FC-AC1667EBCBE1}">
+              <a14:hiddenEffects xmlns:a14="http://schemas.microsoft.com/office/drawing/2010/main">
+                <a:effectLst>
+                  <a:outerShdw dist="35921" dir="2700000" algn="ctr" rotWithShape="0">
+                    <a:schemeClr val="bg2"/>
+                  </a:outerShdw>
+                </a:effectLst>
+              </a14:hiddenEffects>
+            </a:ext>
+          </a:extLst>
+        </p:spPr>
+        <p:txBody>
+          <a:bodyPr vert="horz" wrap="none" lIns="0" tIns="0" rIns="0" bIns="0" numCol="1" anchor="ctr" anchorCtr="0" compatLnSpc="1">
+            <a:prstTxWarp prst="textNoShape">
+              <a:avLst/>
+            </a:prstTxWarp>
+            <a:spAutoFit/>
+          </a:bodyPr>
+          <a:lstStyle/>
+          <a:p>
             <a:pPr marL="0" marR="0" lvl="0" indent="0" algn="ctr" defTabSz="914400" rtl="0" eaLnBrk="0" fontAlgn="base" latinLnBrk="0" hangingPunct="0">
               <a:lnSpc>
                 <a:spcPct val="100000"/>
@@ -4844,20 +5531,7 @@
               <a:tabLst/>
             </a:pPr>
             <a:r>
-              <a:rPr kumimoji="0" lang="en-US" altLang="en-US" sz="2100" b="0" i="0" u="none" strike="noStrike" cap="none" normalizeH="0" baseline="0">
-                <a:ln>
-                  <a:noFill/>
-                </a:ln>
-                <a:solidFill>
-                  <a:srgbClr val="212121"/>
-                </a:solidFill>
-                <a:effectLst/>
-                <a:latin typeface="inherit"/>
-              </a:rPr>
-              <a:t>developer</a:t>
-            </a:r>
-            <a:r>
-              <a:rPr kumimoji="0" lang="en-US" altLang="en-US" sz="800" b="0" i="0" u="none" strike="noStrike" cap="none" normalizeH="0" baseline="0">
+              <a:rPr kumimoji="0" lang="en-US" altLang="en-US" sz="800" b="0" i="0" u="none" strike="noStrike" cap="none" normalizeH="0" baseline="0" dirty="0">
                 <a:ln>
                   <a:noFill/>
                 </a:ln>
@@ -4868,7 +5542,7 @@
               </a:rPr>
               <a:t> </a:t>
             </a:r>
-            <a:endParaRPr kumimoji="0" lang="en-US" altLang="en-US" sz="1800" b="0" i="0" u="none" strike="noStrike" cap="none" normalizeH="0" baseline="0">
+            <a:endParaRPr kumimoji="0" lang="en-US" altLang="en-US" sz="1800" b="0" i="0" u="none" strike="noStrike" cap="none" normalizeH="0" baseline="0" dirty="0">
               <a:ln>
                 <a:noFill/>
               </a:ln>
@@ -5273,7 +5947,7 @@
         </p:blipFill>
         <p:spPr>
           <a:xfrm>
-            <a:off x="5724128" y="496537"/>
+            <a:off x="6470158" y="449657"/>
             <a:ext cx="1868573" cy="1815709"/>
           </a:xfrm>
           <a:prstGeom prst="rect">
@@ -5357,8 +6031,55 @@
         </p:blipFill>
         <p:spPr bwMode="auto">
           <a:xfrm>
-            <a:off x="3849061" y="693273"/>
+            <a:off x="3247194" y="693272"/>
             <a:ext cx="1440161" cy="1440161"/>
+          </a:xfrm>
+          <a:prstGeom prst="rect">
+            <a:avLst/>
+          </a:prstGeom>
+          <a:noFill/>
+          <a:extLst>
+            <a:ext uri="{909E8E84-426E-40DD-AFC4-6F175D3DCCD1}">
+              <a14:hiddenFill xmlns:a14="http://schemas.microsoft.com/office/drawing/2010/main">
+                <a:solidFill>
+                  <a:srgbClr val="FFFFFF"/>
+                </a:solidFill>
+              </a14:hiddenFill>
+            </a:ext>
+          </a:extLst>
+        </p:spPr>
+      </p:pic>
+      <p:pic>
+        <p:nvPicPr>
+          <p:cNvPr id="2052" name="Picture 4" descr="RÃ©sultat de recherche d'images pour &quot;sql&quot;">
+            <a:extLst>
+              <a:ext uri="{FF2B5EF4-FFF2-40B4-BE49-F238E27FC236}">
+                <a16:creationId xmlns:a16="http://schemas.microsoft.com/office/drawing/2014/main" id="{05CCD18A-09AB-4D93-B75E-EFC148E0A283}"/>
+              </a:ext>
+            </a:extLst>
+          </p:cNvPr>
+          <p:cNvPicPr>
+            <a:picLocks noChangeAspect="1" noChangeArrowheads="1"/>
+          </p:cNvPicPr>
+          <p:nvPr/>
+        </p:nvPicPr>
+        <p:blipFill>
+          <a:blip r:embed="rId8" cstate="print">
+            <a:extLst>
+              <a:ext uri="{28A0092B-C50C-407E-A947-70E740481C1C}">
+                <a14:useLocalDpi xmlns:a14="http://schemas.microsoft.com/office/drawing/2010/main" val="0"/>
+              </a:ext>
+            </a:extLst>
+          </a:blip>
+          <a:srcRect/>
+          <a:stretch>
+            <a:fillRect/>
+          </a:stretch>
+        </p:blipFill>
+        <p:spPr bwMode="auto">
+          <a:xfrm>
+            <a:off x="4648575" y="857471"/>
+            <a:ext cx="2430404" cy="1275962"/>
           </a:xfrm>
           <a:prstGeom prst="rect">
             <a:avLst/>
@@ -5500,7 +6221,7 @@
                   <a:schemeClr val="bg1"/>
                 </a:solidFill>
               </a:rPr>
-              <a:t>Server Node</a:t>
+              <a:t>Home page</a:t>
             </a:r>
           </a:p>
           <a:p>
@@ -5517,10 +6238,10 @@
       </p:sp>
       <p:pic>
         <p:nvPicPr>
-          <p:cNvPr id="3" name="Image 2">
+          <p:cNvPr id="7" name="Image 6" descr="Une image contenant capture d’écran&#10;&#10;Description générée automatiquement">
             <a:extLst>
               <a:ext uri="{FF2B5EF4-FFF2-40B4-BE49-F238E27FC236}">
-                <a16:creationId xmlns:a16="http://schemas.microsoft.com/office/drawing/2014/main" id="{0B48C8E1-ECFC-4EB3-90EA-B765C43D4ACF}"/>
+                <a16:creationId xmlns:a16="http://schemas.microsoft.com/office/drawing/2014/main" id="{38C2CBD6-880F-48CA-BB06-90D50E4A6D94}"/>
               </a:ext>
             </a:extLst>
           </p:cNvPr>
@@ -5530,15 +6251,21 @@
           <p:nvPr/>
         </p:nvPicPr>
         <p:blipFill>
-          <a:blip r:embed="rId3"/>
+          <a:blip r:embed="rId3">
+            <a:extLst>
+              <a:ext uri="{28A0092B-C50C-407E-A947-70E740481C1C}">
+                <a14:useLocalDpi xmlns:a14="http://schemas.microsoft.com/office/drawing/2010/main" val="0"/>
+              </a:ext>
+            </a:extLst>
+          </a:blip>
           <a:stretch>
             <a:fillRect/>
           </a:stretch>
         </p:blipFill>
         <p:spPr>
           <a:xfrm>
-            <a:off x="1763688" y="476672"/>
-            <a:ext cx="5616624" cy="3790592"/>
+            <a:off x="894420" y="404664"/>
+            <a:ext cx="7488832" cy="3917674"/>
           </a:xfrm>
           <a:prstGeom prst="rect">
             <a:avLst/>
@@ -5637,10 +6364,10 @@
       </p:pic>
       <p:sp>
         <p:nvSpPr>
-          <p:cNvPr id="7" name="ZoneTexte 6">
+          <p:cNvPr id="12" name="ZoneTexte 11">
             <a:extLst>
               <a:ext uri="{FF2B5EF4-FFF2-40B4-BE49-F238E27FC236}">
-                <a16:creationId xmlns:a16="http://schemas.microsoft.com/office/drawing/2014/main" id="{4A06F931-2D1B-41AB-843A-7A08336BCA8A}"/>
+                <a16:creationId xmlns:a16="http://schemas.microsoft.com/office/drawing/2014/main" id="{CBDB4E1B-62E7-4E32-8FA9-429AF8276C3D}"/>
               </a:ext>
             </a:extLst>
           </p:cNvPr>
@@ -5649,8 +6376,8 @@
         </p:nvSpPr>
         <p:spPr>
           <a:xfrm>
-            <a:off x="824726" y="1772816"/>
-            <a:ext cx="7488832" cy="984885"/>
+            <a:off x="1043608" y="4869160"/>
+            <a:ext cx="7488832" cy="2123658"/>
           </a:xfrm>
           <a:prstGeom prst="rect">
             <a:avLst/>
@@ -5665,15 +6392,51 @@
           <a:p>
             <a:pPr algn="ctr"/>
             <a:r>
-              <a:rPr lang="en-US" sz="4000" dirty="0">
+              <a:rPr lang="en-US" sz="2400" dirty="0">
                 <a:solidFill>
                   <a:schemeClr val="bg1"/>
                 </a:solidFill>
               </a:rPr>
-              <a:t>Conclusion</a:t>
-            </a:r>
-            <a:r>
-              <a:rPr lang="en-US" sz="2400" dirty="0"/>
+              <a:t>Login</a:t>
+            </a:r>
+          </a:p>
+          <a:p>
+            <a:pPr algn="ctr"/>
+            <a:r>
+              <a:rPr lang="en-US" sz="2400" dirty="0">
+                <a:solidFill>
+                  <a:schemeClr val="bg1"/>
+                </a:solidFill>
+              </a:rPr>
+              <a:t>/</a:t>
+            </a:r>
+          </a:p>
+          <a:p>
+            <a:pPr algn="ctr"/>
+            <a:r>
+              <a:rPr lang="en-US" sz="2400" dirty="0">
+                <a:solidFill>
+                  <a:schemeClr val="bg1"/>
+                </a:solidFill>
+              </a:rPr>
+              <a:t>Inscription </a:t>
+            </a:r>
+          </a:p>
+          <a:p>
+            <a:pPr algn="ctr"/>
+            <a:r>
+              <a:rPr lang="en-US" sz="2400" dirty="0">
+                <a:solidFill>
+                  <a:schemeClr val="bg1"/>
+                </a:solidFill>
+              </a:rPr>
+              <a:t>page</a:t>
+            </a:r>
+          </a:p>
+          <a:p>
+            <a:pPr algn="ctr"/>
+            <a:r>
+              <a:rPr lang="en-US" dirty="0"/>
               <a:t> </a:t>
             </a:r>
           </a:p>
@@ -5682,10 +6445,467 @@
           </a:p>
         </p:txBody>
       </p:sp>
+      <p:pic>
+        <p:nvPicPr>
+          <p:cNvPr id="4" name="Image 3" descr="Une image contenant capture d’écran&#10;&#10;Description générée automatiquement">
+            <a:extLst>
+              <a:ext uri="{FF2B5EF4-FFF2-40B4-BE49-F238E27FC236}">
+                <a16:creationId xmlns:a16="http://schemas.microsoft.com/office/drawing/2014/main" id="{78681BF2-A0D5-4C32-91BB-1606AF0BC179}"/>
+              </a:ext>
+            </a:extLst>
+          </p:cNvPr>
+          <p:cNvPicPr>
+            <a:picLocks noChangeAspect="1"/>
+          </p:cNvPicPr>
+          <p:nvPr/>
+        </p:nvPicPr>
+        <p:blipFill>
+          <a:blip r:embed="rId3">
+            <a:extLst>
+              <a:ext uri="{28A0092B-C50C-407E-A947-70E740481C1C}">
+                <a14:useLocalDpi xmlns:a14="http://schemas.microsoft.com/office/drawing/2010/main" val="0"/>
+              </a:ext>
+            </a:extLst>
+          </a:blip>
+          <a:stretch>
+            <a:fillRect/>
+          </a:stretch>
+        </p:blipFill>
+        <p:spPr>
+          <a:xfrm>
+            <a:off x="899593" y="404664"/>
+            <a:ext cx="7488831" cy="3868657"/>
+          </a:xfrm>
+          <a:prstGeom prst="rect">
+            <a:avLst/>
+          </a:prstGeom>
+        </p:spPr>
+      </p:pic>
     </p:spTree>
     <p:extLst>
       <p:ext uri="{BB962C8B-B14F-4D97-AF65-F5344CB8AC3E}">
-        <p14:creationId xmlns:p14="http://schemas.microsoft.com/office/powerpoint/2010/main" val="851414677"/>
+        <p14:creationId xmlns:p14="http://schemas.microsoft.com/office/powerpoint/2010/main" val="3276080554"/>
+      </p:ext>
+    </p:extLst>
+  </p:cSld>
+  <p:clrMapOvr>
+    <a:masterClrMapping/>
+  </p:clrMapOvr>
+</p:sld>
+</file>
+
+<file path=ppt/slides/slide8.xml><?xml version="1.0" encoding="utf-8"?>
+<p:sld xmlns:a="http://schemas.openxmlformats.org/drawingml/2006/main" xmlns:r="http://schemas.openxmlformats.org/officeDocument/2006/relationships" xmlns:p="http://schemas.openxmlformats.org/presentationml/2006/main">
+  <p:cSld>
+    <p:spTree>
+      <p:nvGrpSpPr>
+        <p:cNvPr id="1" name=""/>
+        <p:cNvGrpSpPr/>
+        <p:nvPr/>
+      </p:nvGrpSpPr>
+      <p:grpSpPr>
+        <a:xfrm>
+          <a:off x="0" y="0"/>
+          <a:ext cx="0" cy="0"/>
+          <a:chOff x="0" y="0"/>
+          <a:chExt cx="0" cy="0"/>
+        </a:xfrm>
+      </p:grpSpPr>
+      <p:sp>
+        <p:nvSpPr>
+          <p:cNvPr id="2" name="Titre 1">
+            <a:extLst>
+              <a:ext uri="{FF2B5EF4-FFF2-40B4-BE49-F238E27FC236}">
+                <a16:creationId xmlns:a16="http://schemas.microsoft.com/office/drawing/2014/main" id="{D53DF965-1F56-4533-B396-5D0A88512FF0}"/>
+              </a:ext>
+            </a:extLst>
+          </p:cNvPr>
+          <p:cNvSpPr>
+            <a:spLocks noGrp="1"/>
+          </p:cNvSpPr>
+          <p:nvPr>
+            <p:ph type="title"/>
+          </p:nvPr>
+        </p:nvSpPr>
+        <p:spPr/>
+        <p:txBody>
+          <a:bodyPr/>
+          <a:lstStyle/>
+          <a:p>
+            <a:endParaRPr lang="en-US"/>
+          </a:p>
+        </p:txBody>
+      </p:sp>
+      <p:pic>
+        <p:nvPicPr>
+          <p:cNvPr id="9" name="Espace réservé du contenu 8">
+            <a:extLst>
+              <a:ext uri="{FF2B5EF4-FFF2-40B4-BE49-F238E27FC236}">
+                <a16:creationId xmlns:a16="http://schemas.microsoft.com/office/drawing/2014/main" id="{3A9FE87A-3268-4B68-A7AB-3D01B97D8695}"/>
+              </a:ext>
+            </a:extLst>
+          </p:cNvPr>
+          <p:cNvPicPr>
+            <a:picLocks noGrp="1" noChangeAspect="1"/>
+          </p:cNvPicPr>
+          <p:nvPr>
+            <p:ph idx="1"/>
+          </p:nvPr>
+        </p:nvPicPr>
+        <p:blipFill>
+          <a:blip r:embed="rId2">
+            <a:extLst>
+              <a:ext uri="{28A0092B-C50C-407E-A947-70E740481C1C}">
+                <a14:useLocalDpi xmlns:a14="http://schemas.microsoft.com/office/drawing/2010/main" val="0"/>
+              </a:ext>
+            </a:extLst>
+          </a:blip>
+          <a:stretch>
+            <a:fillRect/>
+          </a:stretch>
+        </p:blipFill>
+        <p:spPr>
+          <a:xfrm>
+            <a:off x="457200" y="34313"/>
+            <a:ext cx="8363272" cy="6653336"/>
+          </a:xfrm>
+        </p:spPr>
+      </p:pic>
+      <p:sp>
+        <p:nvSpPr>
+          <p:cNvPr id="12" name="ZoneTexte 11">
+            <a:extLst>
+              <a:ext uri="{FF2B5EF4-FFF2-40B4-BE49-F238E27FC236}">
+                <a16:creationId xmlns:a16="http://schemas.microsoft.com/office/drawing/2014/main" id="{CBDB4E1B-62E7-4E32-8FA9-429AF8276C3D}"/>
+              </a:ext>
+            </a:extLst>
+          </p:cNvPr>
+          <p:cNvSpPr txBox="1"/>
+          <p:nvPr/>
+        </p:nvSpPr>
+        <p:spPr>
+          <a:xfrm>
+            <a:off x="894420" y="4869160"/>
+            <a:ext cx="7488832" cy="2123658"/>
+          </a:xfrm>
+          <a:prstGeom prst="rect">
+            <a:avLst/>
+          </a:prstGeom>
+          <a:noFill/>
+        </p:spPr>
+        <p:txBody>
+          <a:bodyPr wrap="square" rtlCol="0">
+            <a:spAutoFit/>
+          </a:bodyPr>
+          <a:lstStyle/>
+          <a:p>
+            <a:pPr algn="ctr"/>
+            <a:r>
+              <a:rPr lang="en-US" sz="2400" dirty="0">
+                <a:solidFill>
+                  <a:schemeClr val="bg1"/>
+                </a:solidFill>
+              </a:rPr>
+              <a:t>Suggestion </a:t>
+            </a:r>
+          </a:p>
+          <a:p>
+            <a:pPr algn="ctr"/>
+            <a:r>
+              <a:rPr lang="en-US" sz="2400" dirty="0">
+                <a:solidFill>
+                  <a:schemeClr val="bg1"/>
+                </a:solidFill>
+              </a:rPr>
+              <a:t>Pages</a:t>
+            </a:r>
+          </a:p>
+          <a:p>
+            <a:pPr algn="ctr"/>
+            <a:r>
+              <a:rPr lang="en-US" sz="2400" dirty="0">
+                <a:solidFill>
+                  <a:schemeClr val="bg1"/>
+                </a:solidFill>
+              </a:rPr>
+              <a:t>+</a:t>
+            </a:r>
+          </a:p>
+          <a:p>
+            <a:pPr algn="ctr"/>
+            <a:r>
+              <a:rPr lang="en-US" sz="2400" dirty="0">
+                <a:solidFill>
+                  <a:schemeClr val="bg1"/>
+                </a:solidFill>
+              </a:rPr>
+              <a:t>Event </a:t>
+            </a:r>
+          </a:p>
+          <a:p>
+            <a:pPr algn="ctr"/>
+            <a:r>
+              <a:rPr lang="en-US" dirty="0"/>
+              <a:t> </a:t>
+            </a:r>
+          </a:p>
+          <a:p>
+            <a:endParaRPr lang="en-US" dirty="0"/>
+          </a:p>
+        </p:txBody>
+      </p:sp>
+      <p:pic>
+        <p:nvPicPr>
+          <p:cNvPr id="4" name="Image 3" descr="Une image contenant capture d’écran&#10;&#10;Description générée automatiquement">
+            <a:extLst>
+              <a:ext uri="{FF2B5EF4-FFF2-40B4-BE49-F238E27FC236}">
+                <a16:creationId xmlns:a16="http://schemas.microsoft.com/office/drawing/2014/main" id="{9DCEB28B-62DA-4335-8623-9D34F38482AD}"/>
+              </a:ext>
+            </a:extLst>
+          </p:cNvPr>
+          <p:cNvPicPr>
+            <a:picLocks noChangeAspect="1"/>
+          </p:cNvPicPr>
+          <p:nvPr/>
+        </p:nvPicPr>
+        <p:blipFill>
+          <a:blip r:embed="rId3">
+            <a:extLst>
+              <a:ext uri="{28A0092B-C50C-407E-A947-70E740481C1C}">
+                <a14:useLocalDpi xmlns:a14="http://schemas.microsoft.com/office/drawing/2010/main" val="0"/>
+              </a:ext>
+            </a:extLst>
+          </a:blip>
+          <a:stretch>
+            <a:fillRect/>
+          </a:stretch>
+        </p:blipFill>
+        <p:spPr>
+          <a:xfrm>
+            <a:off x="917518" y="424100"/>
+            <a:ext cx="3721318" cy="3868996"/>
+          </a:xfrm>
+          <a:prstGeom prst="rect">
+            <a:avLst/>
+          </a:prstGeom>
+        </p:spPr>
+      </p:pic>
+      <p:pic>
+        <p:nvPicPr>
+          <p:cNvPr id="15" name="Image 14" descr="Une image contenant capture d’écran&#10;&#10;Description générée automatiquement">
+            <a:extLst>
+              <a:ext uri="{FF2B5EF4-FFF2-40B4-BE49-F238E27FC236}">
+                <a16:creationId xmlns:a16="http://schemas.microsoft.com/office/drawing/2014/main" id="{22336049-5B4B-4D15-B40F-90B929ED338C}"/>
+              </a:ext>
+            </a:extLst>
+          </p:cNvPr>
+          <p:cNvPicPr>
+            <a:picLocks noChangeAspect="1"/>
+          </p:cNvPicPr>
+          <p:nvPr/>
+        </p:nvPicPr>
+        <p:blipFill>
+          <a:blip r:embed="rId4">
+            <a:extLst>
+              <a:ext uri="{28A0092B-C50C-407E-A947-70E740481C1C}">
+                <a14:useLocalDpi xmlns:a14="http://schemas.microsoft.com/office/drawing/2010/main" val="0"/>
+              </a:ext>
+            </a:extLst>
+          </a:blip>
+          <a:stretch>
+            <a:fillRect/>
+          </a:stretch>
+        </p:blipFill>
+        <p:spPr>
+          <a:xfrm>
+            <a:off x="4638836" y="424100"/>
+            <a:ext cx="3744416" cy="3868996"/>
+          </a:xfrm>
+          <a:prstGeom prst="rect">
+            <a:avLst/>
+          </a:prstGeom>
+        </p:spPr>
+      </p:pic>
+    </p:spTree>
+    <p:extLst>
+      <p:ext uri="{BB962C8B-B14F-4D97-AF65-F5344CB8AC3E}">
+        <p14:creationId xmlns:p14="http://schemas.microsoft.com/office/powerpoint/2010/main" val="2150302526"/>
+      </p:ext>
+    </p:extLst>
+  </p:cSld>
+  <p:clrMapOvr>
+    <a:masterClrMapping/>
+  </p:clrMapOvr>
+</p:sld>
+</file>
+
+<file path=ppt/slides/slide9.xml><?xml version="1.0" encoding="utf-8"?>
+<p:sld xmlns:a="http://schemas.openxmlformats.org/drawingml/2006/main" xmlns:r="http://schemas.openxmlformats.org/officeDocument/2006/relationships" xmlns:p="http://schemas.openxmlformats.org/presentationml/2006/main">
+  <p:cSld>
+    <p:spTree>
+      <p:nvGrpSpPr>
+        <p:cNvPr id="1" name=""/>
+        <p:cNvGrpSpPr/>
+        <p:nvPr/>
+      </p:nvGrpSpPr>
+      <p:grpSpPr>
+        <a:xfrm>
+          <a:off x="0" y="0"/>
+          <a:ext cx="0" cy="0"/>
+          <a:chOff x="0" y="0"/>
+          <a:chExt cx="0" cy="0"/>
+        </a:xfrm>
+      </p:grpSpPr>
+      <p:sp>
+        <p:nvSpPr>
+          <p:cNvPr id="2" name="Titre 1">
+            <a:extLst>
+              <a:ext uri="{FF2B5EF4-FFF2-40B4-BE49-F238E27FC236}">
+                <a16:creationId xmlns:a16="http://schemas.microsoft.com/office/drawing/2014/main" id="{D53DF965-1F56-4533-B396-5D0A88512FF0}"/>
+              </a:ext>
+            </a:extLst>
+          </p:cNvPr>
+          <p:cNvSpPr>
+            <a:spLocks noGrp="1"/>
+          </p:cNvSpPr>
+          <p:nvPr>
+            <p:ph type="title"/>
+          </p:nvPr>
+        </p:nvSpPr>
+        <p:spPr/>
+        <p:txBody>
+          <a:bodyPr/>
+          <a:lstStyle/>
+          <a:p>
+            <a:endParaRPr lang="en-US"/>
+          </a:p>
+        </p:txBody>
+      </p:sp>
+      <p:pic>
+        <p:nvPicPr>
+          <p:cNvPr id="9" name="Espace réservé du contenu 8">
+            <a:extLst>
+              <a:ext uri="{FF2B5EF4-FFF2-40B4-BE49-F238E27FC236}">
+                <a16:creationId xmlns:a16="http://schemas.microsoft.com/office/drawing/2014/main" id="{3A9FE87A-3268-4B68-A7AB-3D01B97D8695}"/>
+              </a:ext>
+            </a:extLst>
+          </p:cNvPr>
+          <p:cNvPicPr>
+            <a:picLocks noGrp="1" noChangeAspect="1"/>
+          </p:cNvPicPr>
+          <p:nvPr>
+            <p:ph idx="1"/>
+          </p:nvPr>
+        </p:nvPicPr>
+        <p:blipFill>
+          <a:blip r:embed="rId2">
+            <a:extLst>
+              <a:ext uri="{28A0092B-C50C-407E-A947-70E740481C1C}">
+                <a14:useLocalDpi xmlns:a14="http://schemas.microsoft.com/office/drawing/2010/main" val="0"/>
+              </a:ext>
+            </a:extLst>
+          </a:blip>
+          <a:stretch>
+            <a:fillRect/>
+          </a:stretch>
+        </p:blipFill>
+        <p:spPr>
+          <a:xfrm>
+            <a:off x="457200" y="34313"/>
+            <a:ext cx="8363272" cy="6653336"/>
+          </a:xfrm>
+        </p:spPr>
+      </p:pic>
+      <p:sp>
+        <p:nvSpPr>
+          <p:cNvPr id="12" name="ZoneTexte 11">
+            <a:extLst>
+              <a:ext uri="{FF2B5EF4-FFF2-40B4-BE49-F238E27FC236}">
+                <a16:creationId xmlns:a16="http://schemas.microsoft.com/office/drawing/2014/main" id="{CBDB4E1B-62E7-4E32-8FA9-429AF8276C3D}"/>
+              </a:ext>
+            </a:extLst>
+          </p:cNvPr>
+          <p:cNvSpPr txBox="1"/>
+          <p:nvPr/>
+        </p:nvSpPr>
+        <p:spPr>
+          <a:xfrm>
+            <a:off x="894420" y="4869160"/>
+            <a:ext cx="7488832" cy="1015663"/>
+          </a:xfrm>
+          <a:prstGeom prst="rect">
+            <a:avLst/>
+          </a:prstGeom>
+          <a:noFill/>
+        </p:spPr>
+        <p:txBody>
+          <a:bodyPr wrap="square" rtlCol="0">
+            <a:spAutoFit/>
+          </a:bodyPr>
+          <a:lstStyle/>
+          <a:p>
+            <a:pPr algn="ctr"/>
+            <a:r>
+              <a:rPr lang="en-US" sz="2400" dirty="0">
+                <a:solidFill>
+                  <a:schemeClr val="bg1"/>
+                </a:solidFill>
+              </a:rPr>
+              <a:t>Market</a:t>
+            </a:r>
+          </a:p>
+          <a:p>
+            <a:pPr algn="ctr"/>
+            <a:r>
+              <a:rPr lang="en-US" dirty="0"/>
+              <a:t> </a:t>
+            </a:r>
+          </a:p>
+          <a:p>
+            <a:endParaRPr lang="en-US" dirty="0"/>
+          </a:p>
+        </p:txBody>
+      </p:sp>
+      <p:pic>
+        <p:nvPicPr>
+          <p:cNvPr id="5" name="Image 4" descr="Une image contenant texte&#10;&#10;Description générée automatiquement">
+            <a:extLst>
+              <a:ext uri="{FF2B5EF4-FFF2-40B4-BE49-F238E27FC236}">
+                <a16:creationId xmlns:a16="http://schemas.microsoft.com/office/drawing/2014/main" id="{DC458867-C4D4-4685-ACE4-F9E0420C3BA8}"/>
+              </a:ext>
+            </a:extLst>
+          </p:cNvPr>
+          <p:cNvPicPr>
+            <a:picLocks noChangeAspect="1"/>
+          </p:cNvPicPr>
+          <p:nvPr/>
+        </p:nvPicPr>
+        <p:blipFill>
+          <a:blip r:embed="rId3">
+            <a:extLst>
+              <a:ext uri="{28A0092B-C50C-407E-A947-70E740481C1C}">
+                <a14:useLocalDpi xmlns:a14="http://schemas.microsoft.com/office/drawing/2010/main" val="0"/>
+              </a:ext>
+            </a:extLst>
+          </a:blip>
+          <a:stretch>
+            <a:fillRect/>
+          </a:stretch>
+        </p:blipFill>
+        <p:spPr>
+          <a:xfrm>
+            <a:off x="894420" y="404664"/>
+            <a:ext cx="7488832" cy="3888432"/>
+          </a:xfrm>
+          <a:prstGeom prst="rect">
+            <a:avLst/>
+          </a:prstGeom>
+        </p:spPr>
+      </p:pic>
+    </p:spTree>
+    <p:extLst>
+      <p:ext uri="{BB962C8B-B14F-4D97-AF65-F5344CB8AC3E}">
+        <p14:creationId xmlns:p14="http://schemas.microsoft.com/office/powerpoint/2010/main" val="2183281813"/>
       </p:ext>
     </p:extLst>
   </p:cSld>
